--- a/Project_1_Group_2_final.pptx
+++ b/Project_1_Group_2_final.pptx
@@ -40,24 +40,23 @@
     <p:sldId id="285" r:id="rId35"/>
     <p:sldId id="286" r:id="rId36"/>
     <p:sldId id="287" r:id="rId37"/>
-    <p:sldId id="288" r:id="rId38"/>
   </p:sldIdLst>
   <p:sldSz cy="5143500" cx="9144000"/>
   <p:notesSz cx="6858000" cy="9144000"/>
   <p:embeddedFontLst>
     <p:embeddedFont>
       <p:font typeface="Raleway"/>
-      <p:regular r:id="rId39"/>
-      <p:bold r:id="rId40"/>
-      <p:italic r:id="rId41"/>
-      <p:boldItalic r:id="rId42"/>
+      <p:regular r:id="rId38"/>
+      <p:bold r:id="rId39"/>
+      <p:italic r:id="rId40"/>
+      <p:boldItalic r:id="rId41"/>
     </p:embeddedFont>
     <p:embeddedFont>
       <p:font typeface="Lato"/>
-      <p:regular r:id="rId43"/>
-      <p:bold r:id="rId44"/>
-      <p:italic r:id="rId45"/>
-      <p:boldItalic r:id="rId46"/>
+      <p:regular r:id="rId42"/>
+      <p:bold r:id="rId43"/>
+      <p:italic r:id="rId44"/>
+      <p:boldItalic r:id="rId45"/>
     </p:embeddedFont>
   </p:embeddedFontLst>
   <p:defaultTextStyle>
@@ -1545,7 +1544,7 @@
       </p:grpSpPr>
       <p:sp>
         <p:nvSpPr>
-          <p:cNvPr id="187" name="Google Shape;187;g2b86b337c93_0_53:notes"/>
+          <p:cNvPr id="187" name="Google Shape;187;g2b86b337c93_0_59:notes"/>
           <p:cNvSpPr/>
           <p:nvPr>
             <p:ph idx="2" type="sldImg"/>
@@ -1580,7 +1579,7 @@
       </p:sp>
       <p:sp>
         <p:nvSpPr>
-          <p:cNvPr id="188" name="Google Shape;188;g2b86b337c93_0_53:notes"/>
+          <p:cNvPr id="188" name="Google Shape;188;g2b86b337c93_0_59:notes"/>
           <p:cNvSpPr txBox="1"/>
           <p:nvPr>
             <p:ph idx="1" type="body"/>
@@ -1644,7 +1643,7 @@
       </p:grpSpPr>
       <p:sp>
         <p:nvSpPr>
-          <p:cNvPr id="194" name="Google Shape;194;g2b86b337c93_0_59:notes"/>
+          <p:cNvPr id="194" name="Google Shape;194;g2b86b337c93_0_53:notes"/>
           <p:cNvSpPr/>
           <p:nvPr>
             <p:ph idx="2" type="sldImg"/>
@@ -1679,7 +1678,7 @@
       </p:sp>
       <p:sp>
         <p:nvSpPr>
-          <p:cNvPr id="195" name="Google Shape;195;g2b86b337c93_0_59:notes"/>
+          <p:cNvPr id="195" name="Google Shape;195;g2b86b337c93_0_53:notes"/>
           <p:cNvSpPr txBox="1"/>
           <p:nvPr>
             <p:ph idx="1" type="body"/>
@@ -1743,7 +1742,7 @@
       </p:grpSpPr>
       <p:sp>
         <p:nvSpPr>
-          <p:cNvPr id="201" name="Google Shape;201;g2b86b337c93_0_66:notes"/>
+          <p:cNvPr id="201" name="Google Shape;201;g2b86b337c93_0_105:notes"/>
           <p:cNvSpPr/>
           <p:nvPr>
             <p:ph idx="2" type="sldImg"/>
@@ -1778,7 +1777,7 @@
       </p:sp>
       <p:sp>
         <p:nvSpPr>
-          <p:cNvPr id="202" name="Google Shape;202;g2b86b337c93_0_66:notes"/>
+          <p:cNvPr id="202" name="Google Shape;202;g2b86b337c93_0_105:notes"/>
           <p:cNvSpPr txBox="1"/>
           <p:nvPr>
             <p:ph idx="1" type="body"/>
@@ -1927,7 +1926,7 @@
   <p:cSld>
     <p:spTree>
       <p:nvGrpSpPr>
-        <p:cNvPr id="207" name="Shape 207"/>
+        <p:cNvPr id="206" name="Shape 206"/>
         <p:cNvGrpSpPr/>
         <p:nvPr/>
       </p:nvGrpSpPr>
@@ -1941,7 +1940,7 @@
       </p:grpSpPr>
       <p:sp>
         <p:nvSpPr>
-          <p:cNvPr id="208" name="Google Shape;208;g2b86b337c93_0_105:notes"/>
+          <p:cNvPr id="207" name="Google Shape;207;g2b86b337c93_0_118:notes"/>
           <p:cNvSpPr/>
           <p:nvPr>
             <p:ph idx="2" type="sldImg"/>
@@ -1976,7 +1975,7 @@
       </p:sp>
       <p:sp>
         <p:nvSpPr>
-          <p:cNvPr id="209" name="Google Shape;209;g2b86b337c93_0_105:notes"/>
+          <p:cNvPr id="208" name="Google Shape;208;g2b86b337c93_0_118:notes"/>
           <p:cNvSpPr txBox="1"/>
           <p:nvPr>
             <p:ph idx="1" type="body"/>
@@ -2026,7 +2025,7 @@
   <p:cSld>
     <p:spTree>
       <p:nvGrpSpPr>
-        <p:cNvPr id="213" name="Shape 213"/>
+        <p:cNvPr id="211" name="Shape 211"/>
         <p:cNvGrpSpPr/>
         <p:nvPr/>
       </p:nvGrpSpPr>
@@ -2040,7 +2039,7 @@
       </p:grpSpPr>
       <p:sp>
         <p:nvSpPr>
-          <p:cNvPr id="214" name="Google Shape;214;g2b86b337c93_0_118:notes"/>
+          <p:cNvPr id="212" name="Google Shape;212;g2b86b337c93_0_73:notes"/>
           <p:cNvSpPr/>
           <p:nvPr>
             <p:ph idx="2" type="sldImg"/>
@@ -2075,7 +2074,7 @@
       </p:sp>
       <p:sp>
         <p:nvSpPr>
-          <p:cNvPr id="215" name="Google Shape;215;g2b86b337c93_0_118:notes"/>
+          <p:cNvPr id="213" name="Google Shape;213;g2b86b337c93_0_73:notes"/>
           <p:cNvSpPr txBox="1"/>
           <p:nvPr>
             <p:ph idx="1" type="body"/>
@@ -2125,7 +2124,7 @@
   <p:cSld>
     <p:spTree>
       <p:nvGrpSpPr>
-        <p:cNvPr id="218" name="Shape 218"/>
+        <p:cNvPr id="219" name="Shape 219"/>
         <p:cNvGrpSpPr/>
         <p:nvPr/>
       </p:nvGrpSpPr>
@@ -2139,7 +2138,7 @@
       </p:grpSpPr>
       <p:sp>
         <p:nvSpPr>
-          <p:cNvPr id="219" name="Google Shape;219;g2b86b337c93_0_73:notes"/>
+          <p:cNvPr id="220" name="Google Shape;220;g2b86b337c93_0_80:notes"/>
           <p:cNvSpPr/>
           <p:nvPr>
             <p:ph idx="2" type="sldImg"/>
@@ -2174,7 +2173,7 @@
       </p:sp>
       <p:sp>
         <p:nvSpPr>
-          <p:cNvPr id="220" name="Google Shape;220;g2b86b337c93_0_73:notes"/>
+          <p:cNvPr id="221" name="Google Shape;221;g2b86b337c93_0_80:notes"/>
           <p:cNvSpPr txBox="1"/>
           <p:nvPr>
             <p:ph idx="1" type="body"/>
@@ -2224,7 +2223,7 @@
   <p:cSld>
     <p:spTree>
       <p:nvGrpSpPr>
-        <p:cNvPr id="226" name="Shape 226"/>
+        <p:cNvPr id="227" name="Shape 227"/>
         <p:cNvGrpSpPr/>
         <p:nvPr/>
       </p:nvGrpSpPr>
@@ -2238,7 +2237,7 @@
       </p:grpSpPr>
       <p:sp>
         <p:nvSpPr>
-          <p:cNvPr id="227" name="Google Shape;227;g2b86b337c93_0_80:notes"/>
+          <p:cNvPr id="228" name="Google Shape;228;g2b86b337c93_0_90:notes"/>
           <p:cNvSpPr/>
           <p:nvPr>
             <p:ph idx="2" type="sldImg"/>
@@ -2273,7 +2272,7 @@
       </p:sp>
       <p:sp>
         <p:nvSpPr>
-          <p:cNvPr id="228" name="Google Shape;228;g2b86b337c93_0_80:notes"/>
+          <p:cNvPr id="229" name="Google Shape;229;g2b86b337c93_0_90:notes"/>
           <p:cNvSpPr txBox="1"/>
           <p:nvPr>
             <p:ph idx="1" type="body"/>
@@ -2337,7 +2336,7 @@
       </p:grpSpPr>
       <p:sp>
         <p:nvSpPr>
-          <p:cNvPr id="235" name="Google Shape;235;g2b86b337c93_0_90:notes"/>
+          <p:cNvPr id="235" name="Google Shape;235;g2b86b337c93_0_98:notes"/>
           <p:cNvSpPr/>
           <p:nvPr>
             <p:ph idx="2" type="sldImg"/>
@@ -2372,7 +2371,7 @@
       </p:sp>
       <p:sp>
         <p:nvSpPr>
-          <p:cNvPr id="236" name="Google Shape;236;g2b86b337c93_0_90:notes"/>
+          <p:cNvPr id="236" name="Google Shape;236;g2b86b337c93_0_98:notes"/>
           <p:cNvSpPr txBox="1"/>
           <p:nvPr>
             <p:ph idx="1" type="body"/>
@@ -2422,7 +2421,7 @@
   <p:cSld>
     <p:spTree>
       <p:nvGrpSpPr>
-        <p:cNvPr id="241" name="Shape 241"/>
+        <p:cNvPr id="240" name="Shape 240"/>
         <p:cNvGrpSpPr/>
         <p:nvPr/>
       </p:nvGrpSpPr>
@@ -2436,7 +2435,7 @@
       </p:grpSpPr>
       <p:sp>
         <p:nvSpPr>
-          <p:cNvPr id="242" name="Google Shape;242;g2b86b337c93_0_98:notes"/>
+          <p:cNvPr id="241" name="Google Shape;241;g269063c788c_0_42:notes"/>
           <p:cNvSpPr/>
           <p:nvPr>
             <p:ph idx="2" type="sldImg"/>
@@ -2471,7 +2470,7 @@
       </p:sp>
       <p:sp>
         <p:nvSpPr>
-          <p:cNvPr id="243" name="Google Shape;243;g2b86b337c93_0_98:notes"/>
+          <p:cNvPr id="242" name="Google Shape;242;g269063c788c_0_42:notes"/>
           <p:cNvSpPr txBox="1"/>
           <p:nvPr>
             <p:ph idx="1" type="body"/>
@@ -2521,7 +2520,7 @@
   <p:cSld>
     <p:spTree>
       <p:nvGrpSpPr>
-        <p:cNvPr id="247" name="Shape 247"/>
+        <p:cNvPr id="245" name="Shape 245"/>
         <p:cNvGrpSpPr/>
         <p:nvPr/>
       </p:nvGrpSpPr>
@@ -2535,7 +2534,7 @@
       </p:grpSpPr>
       <p:sp>
         <p:nvSpPr>
-          <p:cNvPr id="248" name="Google Shape;248;g269063c788c_0_42:notes"/>
+          <p:cNvPr id="246" name="Google Shape;246;g269063c788c_0_0:notes"/>
           <p:cNvSpPr/>
           <p:nvPr>
             <p:ph idx="2" type="sldImg"/>
@@ -2570,7 +2569,7 @@
       </p:sp>
       <p:sp>
         <p:nvSpPr>
-          <p:cNvPr id="249" name="Google Shape;249;g269063c788c_0_42:notes"/>
+          <p:cNvPr id="247" name="Google Shape;247;g269063c788c_0_0:notes"/>
           <p:cNvSpPr txBox="1"/>
           <p:nvPr>
             <p:ph idx="1" type="body"/>
@@ -2634,7 +2633,7 @@
       </p:grpSpPr>
       <p:sp>
         <p:nvSpPr>
-          <p:cNvPr id="253" name="Google Shape;253;g269063c788c_0_0:notes"/>
+          <p:cNvPr id="253" name="Google Shape;253;g269063c788c_0_6:notes"/>
           <p:cNvSpPr/>
           <p:nvPr>
             <p:ph idx="2" type="sldImg"/>
@@ -2669,7 +2668,7 @@
       </p:sp>
       <p:sp>
         <p:nvSpPr>
-          <p:cNvPr id="254" name="Google Shape;254;g269063c788c_0_0:notes"/>
+          <p:cNvPr id="254" name="Google Shape;254;g269063c788c_0_6:notes"/>
           <p:cNvSpPr txBox="1"/>
           <p:nvPr>
             <p:ph idx="1" type="body"/>
@@ -2733,7 +2732,7 @@
       </p:grpSpPr>
       <p:sp>
         <p:nvSpPr>
-          <p:cNvPr id="260" name="Google Shape;260;g269063c788c_0_6:notes"/>
+          <p:cNvPr id="260" name="Google Shape;260;g269063c788c_0_13:notes"/>
           <p:cNvSpPr/>
           <p:nvPr>
             <p:ph idx="2" type="sldImg"/>
@@ -2768,7 +2767,7 @@
       </p:sp>
       <p:sp>
         <p:nvSpPr>
-          <p:cNvPr id="261" name="Google Shape;261;g269063c788c_0_6:notes"/>
+          <p:cNvPr id="261" name="Google Shape;261;g269063c788c_0_13:notes"/>
           <p:cNvSpPr txBox="1"/>
           <p:nvPr>
             <p:ph idx="1" type="body"/>
@@ -2818,7 +2817,7 @@
   <p:cSld>
     <p:spTree>
       <p:nvGrpSpPr>
-        <p:cNvPr id="266" name="Shape 266"/>
+        <p:cNvPr id="269" name="Shape 269"/>
         <p:cNvGrpSpPr/>
         <p:nvPr/>
       </p:nvGrpSpPr>
@@ -2832,7 +2831,7 @@
       </p:grpSpPr>
       <p:sp>
         <p:nvSpPr>
-          <p:cNvPr id="267" name="Google Shape;267;g269063c788c_0_13:notes"/>
+          <p:cNvPr id="270" name="Google Shape;270;g269063c788c_0_66:notes"/>
           <p:cNvSpPr/>
           <p:nvPr>
             <p:ph idx="2" type="sldImg"/>
@@ -2867,7 +2866,7 @@
       </p:sp>
       <p:sp>
         <p:nvSpPr>
-          <p:cNvPr id="268" name="Google Shape;268;g269063c788c_0_13:notes"/>
+          <p:cNvPr id="271" name="Google Shape;271;g269063c788c_0_66:notes"/>
           <p:cNvSpPr txBox="1"/>
           <p:nvPr>
             <p:ph idx="1" type="body"/>
@@ -3016,7 +3015,7 @@
   <p:cSld>
     <p:spTree>
       <p:nvGrpSpPr>
-        <p:cNvPr id="276" name="Shape 276"/>
+        <p:cNvPr id="275" name="Shape 275"/>
         <p:cNvGrpSpPr/>
         <p:nvPr/>
       </p:nvGrpSpPr>
@@ -3030,7 +3029,7 @@
       </p:grpSpPr>
       <p:sp>
         <p:nvSpPr>
-          <p:cNvPr id="277" name="Google Shape;277;g269063c788c_0_66:notes"/>
+          <p:cNvPr id="276" name="Google Shape;276;g269063c788c_0_71:notes"/>
           <p:cNvSpPr/>
           <p:nvPr>
             <p:ph idx="2" type="sldImg"/>
@@ -3065,7 +3064,7 @@
       </p:sp>
       <p:sp>
         <p:nvSpPr>
-          <p:cNvPr id="278" name="Google Shape;278;g269063c788c_0_66:notes"/>
+          <p:cNvPr id="277" name="Google Shape;277;g269063c788c_0_71:notes"/>
           <p:cNvSpPr txBox="1"/>
           <p:nvPr>
             <p:ph idx="1" type="body"/>
@@ -3115,7 +3114,7 @@
   <p:cSld>
     <p:spTree>
       <p:nvGrpSpPr>
-        <p:cNvPr id="282" name="Shape 282"/>
+        <p:cNvPr id="281" name="Shape 281"/>
         <p:cNvGrpSpPr/>
         <p:nvPr/>
       </p:nvGrpSpPr>
@@ -3129,7 +3128,7 @@
       </p:grpSpPr>
       <p:sp>
         <p:nvSpPr>
-          <p:cNvPr id="283" name="Google Shape;283;g269063c788c_0_71:notes"/>
+          <p:cNvPr id="282" name="Google Shape;282;g269063c788c_0_20:notes"/>
           <p:cNvSpPr/>
           <p:nvPr>
             <p:ph idx="2" type="sldImg"/>
@@ -3164,7 +3163,7 @@
       </p:sp>
       <p:sp>
         <p:nvSpPr>
-          <p:cNvPr id="284" name="Google Shape;284;g269063c788c_0_71:notes"/>
+          <p:cNvPr id="283" name="Google Shape;283;g269063c788c_0_20:notes"/>
           <p:cNvSpPr txBox="1"/>
           <p:nvPr>
             <p:ph idx="1" type="body"/>
@@ -3214,7 +3213,7 @@
   <p:cSld>
     <p:spTree>
       <p:nvGrpSpPr>
-        <p:cNvPr id="288" name="Shape 288"/>
+        <p:cNvPr id="289" name="Shape 289"/>
         <p:cNvGrpSpPr/>
         <p:nvPr/>
       </p:nvGrpSpPr>
@@ -3228,7 +3227,7 @@
       </p:grpSpPr>
       <p:sp>
         <p:nvSpPr>
-          <p:cNvPr id="289" name="Google Shape;289;g269063c788c_0_20:notes"/>
+          <p:cNvPr id="290" name="Google Shape;290;g269063c788c_0_27:notes"/>
           <p:cNvSpPr/>
           <p:nvPr>
             <p:ph idx="2" type="sldImg"/>
@@ -3263,106 +3262,7 @@
       </p:sp>
       <p:sp>
         <p:nvSpPr>
-          <p:cNvPr id="290" name="Google Shape;290;g269063c788c_0_20:notes"/>
-          <p:cNvSpPr txBox="1"/>
-          <p:nvPr>
-            <p:ph idx="1" type="body"/>
-          </p:nvPr>
-        </p:nvSpPr>
-        <p:spPr>
-          <a:xfrm>
-            <a:off x="685800" y="4343400"/>
-            <a:ext cx="5486400" cy="4114800"/>
-          </a:xfrm>
-          <a:prstGeom prst="rect">
-            <a:avLst/>
-          </a:prstGeom>
-        </p:spPr>
-        <p:txBody>
-          <a:bodyPr anchorCtr="0" anchor="t" bIns="91425" lIns="91425" spcFirstLastPara="1" rIns="91425" wrap="square" tIns="91425">
-            <a:noAutofit/>
-          </a:bodyPr>
-          <a:lstStyle/>
-          <a:p>
-            <a:pPr indent="0" lvl="0" marL="0" rtl="0" algn="l">
-              <a:spcBef>
-                <a:spcPts val="0"/>
-              </a:spcBef>
-              <a:spcAft>
-                <a:spcPts val="0"/>
-              </a:spcAft>
-              <a:buNone/>
-            </a:pPr>
-            <a:r>
-              <a:t/>
-            </a:r>
-            <a:endParaRPr/>
-          </a:p>
-        </p:txBody>
-      </p:sp>
-    </p:spTree>
-  </p:cSld>
-  <p:clrMapOvr>
-    <a:masterClrMapping/>
-  </p:clrMapOvr>
-</p:notes>
-</file>
-
-<file path=ppt/notesSlides/notesSlide33.xml><?xml version="1.0" encoding="utf-8"?>
-<p:notes xmlns:a="http://schemas.openxmlformats.org/drawingml/2006/main" xmlns:r="http://schemas.openxmlformats.org/officeDocument/2006/relationships" xmlns:mc="http://schemas.openxmlformats.org/markup-compatibility/2006" xmlns:mv="urn:schemas-microsoft-com:mac:vml" xmlns:p="http://schemas.openxmlformats.org/presentationml/2006/main" xmlns:c="http://schemas.openxmlformats.org/drawingml/2006/chart" xmlns:dgm="http://schemas.openxmlformats.org/drawingml/2006/diagram" xmlns:o="urn:schemas-microsoft-com:office:office" xmlns:v="urn:schemas-microsoft-com:vml" xmlns:pvml="urn:schemas-microsoft-com:office:powerpoint" xmlns:com="http://schemas.openxmlformats.org/drawingml/2006/compatibility" xmlns:p14="http://schemas.microsoft.com/office/powerpoint/2010/main" xmlns:p15="http://schemas.microsoft.com/office/powerpoint/2012/main" xmlns:ahyp="http://schemas.microsoft.com/office/drawing/2018/hyperlinkcolor" showMasterPhAnim="0" showMasterSp="0">
-  <p:cSld>
-    <p:spTree>
-      <p:nvGrpSpPr>
-        <p:cNvPr id="296" name="Shape 296"/>
-        <p:cNvGrpSpPr/>
-        <p:nvPr/>
-      </p:nvGrpSpPr>
-      <p:grpSpPr>
-        <a:xfrm>
-          <a:off x="0" y="0"/>
-          <a:ext cx="0" cy="0"/>
-          <a:chOff x="0" y="0"/>
-          <a:chExt cx="0" cy="0"/>
-        </a:xfrm>
-      </p:grpSpPr>
-      <p:sp>
-        <p:nvSpPr>
-          <p:cNvPr id="297" name="Google Shape;297;g269063c788c_0_27:notes"/>
-          <p:cNvSpPr/>
-          <p:nvPr>
-            <p:ph idx="2" type="sldImg"/>
-          </p:nvPr>
-        </p:nvSpPr>
-        <p:spPr>
-          <a:xfrm>
-            <a:off x="381300" y="685800"/>
-            <a:ext cx="6096000" cy="3429000"/>
-          </a:xfrm>
-          <a:custGeom>
-            <a:rect b="b" l="l" r="r" t="t"/>
-            <a:pathLst>
-              <a:path extrusionOk="0" h="120000" w="120000">
-                <a:moveTo>
-                  <a:pt x="0" y="0"/>
-                </a:moveTo>
-                <a:lnTo>
-                  <a:pt x="120000" y="0"/>
-                </a:lnTo>
-                <a:lnTo>
-                  <a:pt x="120000" y="120000"/>
-                </a:lnTo>
-                <a:lnTo>
-                  <a:pt x="0" y="120000"/>
-                </a:lnTo>
-                <a:close/>
-              </a:path>
-            </a:pathLst>
-          </a:custGeom>
-        </p:spPr>
-      </p:sp>
-      <p:sp>
-        <p:nvSpPr>
-          <p:cNvPr id="298" name="Google Shape;298;g269063c788c_0_27:notes"/>
+          <p:cNvPr id="291" name="Google Shape;291;g269063c788c_0_27:notes"/>
           <p:cNvSpPr txBox="1"/>
           <p:nvPr>
             <p:ph idx="1" type="body"/>
@@ -10659,7 +10559,7 @@
         </p:nvSpPr>
         <p:spPr>
           <a:xfrm>
-            <a:off x="162675" y="1428850"/>
+            <a:off x="131175" y="1306825"/>
             <a:ext cx="7688700" cy="535200"/>
           </a:xfrm>
           <a:prstGeom prst="rect">
@@ -10703,8 +10603,8 @@
         </p:nvSpPr>
         <p:spPr>
           <a:xfrm>
-            <a:off x="327975" y="2044825"/>
-            <a:ext cx="3842700" cy="2261100"/>
+            <a:off x="327975" y="1842025"/>
+            <a:ext cx="3842700" cy="3463500"/>
           </a:xfrm>
           <a:prstGeom prst="rect">
             <a:avLst/>
@@ -10712,7 +10612,7 @@
         </p:spPr>
         <p:txBody>
           <a:bodyPr anchorCtr="0" anchor="t" bIns="91425" lIns="91425" spcFirstLastPara="1" rIns="91425" wrap="square" tIns="91425">
-            <a:normAutofit fontScale="40000" lnSpcReduction="20000"/>
+            <a:normAutofit fontScale="40000" lnSpcReduction="10000"/>
           </a:bodyPr>
           <a:lstStyle/>
           <a:p>
@@ -10743,7 +10643,55 @@
                 <a:cs typeface="Arial"/>
                 <a:sym typeface="Arial"/>
               </a:rPr>
-              <a:t>t's possible that we can more accurately predict a movie’s financial success, as well as the IMDB Rating, if we look at individual actors over the years.</a:t>
+              <a:t>t's possible that we can more accurately predict a movie’s financial success, as well as the IMDB Rating, if we look at individual (high-profile) actors over the years.</a:t>
+            </a:r>
+            <a:endParaRPr sz="2900">
+              <a:latin typeface="Arial"/>
+              <a:ea typeface="Arial"/>
+              <a:cs typeface="Arial"/>
+              <a:sym typeface="Arial"/>
+            </a:endParaRPr>
+          </a:p>
+          <a:p>
+            <a:pPr indent="0" lvl="0" marL="457200" rtl="0" algn="l">
+              <a:spcBef>
+                <a:spcPts val="1200"/>
+              </a:spcBef>
+              <a:spcAft>
+                <a:spcPts val="0"/>
+              </a:spcAft>
+              <a:buNone/>
+            </a:pPr>
+            <a:r>
+              <a:t/>
+            </a:r>
+            <a:endParaRPr sz="2900">
+              <a:latin typeface="Arial"/>
+              <a:ea typeface="Arial"/>
+              <a:cs typeface="Arial"/>
+              <a:sym typeface="Arial"/>
+            </a:endParaRPr>
+          </a:p>
+          <a:p>
+            <a:pPr indent="-302260" lvl="0" marL="457200" rtl="0" algn="l">
+              <a:spcBef>
+                <a:spcPts val="1200"/>
+              </a:spcBef>
+              <a:spcAft>
+                <a:spcPts val="0"/>
+              </a:spcAft>
+              <a:buSzPct val="100000"/>
+              <a:buFont typeface="Arial"/>
+              <a:buChar char="●"/>
+            </a:pPr>
+            <a:r>
+              <a:rPr lang="en" sz="2900">
+                <a:latin typeface="Arial"/>
+                <a:ea typeface="Arial"/>
+                <a:cs typeface="Arial"/>
+                <a:sym typeface="Arial"/>
+              </a:rPr>
+              <a:t>More importantly, if we isolate some of those high profile actors we may see more of a correlation than we do with the entire data set. </a:t>
             </a:r>
             <a:endParaRPr sz="2900">
               <a:latin typeface="Arial"/>
@@ -10794,7 +10742,7 @@
                 <a:cs typeface="Arial"/>
                 <a:sym typeface="Arial"/>
               </a:rPr>
-              <a:t>In the next few slides we will examine individual actors and see if there is a relationship between IMDB Rating and the total amount of money these movies have earned</a:t>
+              <a:t>In the next few slides we will examine individual actors and see if there is more of a correlation between IMDB Rating and the total amount of money these movies have earned.</a:t>
             </a:r>
             <a:endParaRPr sz="2900">
               <a:latin typeface="Arial"/>
@@ -11471,7 +11419,7 @@
         <p:spPr>
           <a:xfrm>
             <a:off x="729450" y="1323175"/>
-            <a:ext cx="7688700" cy="3533700"/>
+            <a:ext cx="7688700" cy="3820200"/>
           </a:xfrm>
           <a:prstGeom prst="rect">
             <a:avLst/>
@@ -11495,7 +11443,49 @@
             </a:pPr>
             <a:r>
               <a:rPr lang="en"/>
-              <a:t>Based on the previous slides, we can conclude that individually (Regarding IMDB Rating and Total Money Earned) there is little to no correlation.</a:t>
+              <a:t>I</a:t>
+            </a:r>
+            <a:r>
+              <a:rPr lang="en"/>
+              <a:t>f we show both plots at the same time we can actually start to see some </a:t>
+            </a:r>
+            <a:r>
+              <a:rPr i="1" lang="en"/>
+              <a:t>possible </a:t>
+            </a:r>
+            <a:r>
+              <a:rPr lang="en"/>
+              <a:t>similarities between Revenue and IMDB Rating </a:t>
+            </a:r>
+            <a:endParaRPr/>
+          </a:p>
+          <a:p>
+            <a:pPr indent="0" lvl="0" marL="457200" rtl="0" algn="l">
+              <a:spcBef>
+                <a:spcPts val="1200"/>
+              </a:spcBef>
+              <a:spcAft>
+                <a:spcPts val="0"/>
+              </a:spcAft>
+              <a:buNone/>
+            </a:pPr>
+            <a:r>
+              <a:t/>
+            </a:r>
+            <a:endParaRPr/>
+          </a:p>
+          <a:p>
+            <a:pPr indent="0" lvl="0" marL="457200" rtl="0" algn="l">
+              <a:spcBef>
+                <a:spcPts val="1200"/>
+              </a:spcBef>
+              <a:spcAft>
+                <a:spcPts val="0"/>
+              </a:spcAft>
+              <a:buNone/>
+            </a:pPr>
+            <a:r>
+              <a:t/>
             </a:r>
             <a:endParaRPr/>
           </a:p>
@@ -11564,17 +11554,19 @@
             <a:endParaRPr/>
           </a:p>
           <a:p>
-            <a:pPr indent="0" lvl="0" marL="457200" rtl="0" algn="l">
+            <a:pPr indent="-311150" lvl="0" marL="457200" rtl="0" algn="l">
               <a:spcBef>
                 <a:spcPts val="1200"/>
               </a:spcBef>
               <a:spcAft>
-                <a:spcPts val="1200"/>
-              </a:spcAft>
-              <a:buNone/>
+                <a:spcPts val="0"/>
+              </a:spcAft>
+              <a:buSzPts val="1300"/>
+              <a:buChar char="●"/>
             </a:pPr>
             <a:r>
-              <a:t/>
+              <a:rPr lang="en"/>
+              <a:t>Let’s look at the exact correlation…</a:t>
             </a:r>
             <a:endParaRPr/>
           </a:p>
@@ -11596,8 +11588,8 @@
         </p:blipFill>
         <p:spPr>
           <a:xfrm>
-            <a:off x="2093900" y="2038825"/>
-            <a:ext cx="5289476" cy="2582000"/>
+            <a:off x="2104950" y="1920750"/>
+            <a:ext cx="4241849" cy="2400925"/>
           </a:xfrm>
           <a:prstGeom prst="rect">
             <a:avLst/>
@@ -11684,7 +11676,7 @@
         <p:spPr>
           <a:xfrm>
             <a:off x="729450" y="1323175"/>
-            <a:ext cx="7688700" cy="3820200"/>
+            <a:ext cx="7688700" cy="3533700"/>
           </a:xfrm>
           <a:prstGeom prst="rect">
             <a:avLst/>
@@ -11692,7 +11684,7 @@
         </p:spPr>
         <p:txBody>
           <a:bodyPr anchorCtr="0" anchor="t" bIns="91425" lIns="91425" spcFirstLastPara="1" rIns="91425" wrap="square" tIns="91425">
-            <a:normAutofit lnSpcReduction="10000"/>
+            <a:normAutofit/>
           </a:bodyPr>
           <a:lstStyle/>
           <a:p>
@@ -11708,37 +11700,7 @@
             </a:pPr>
             <a:r>
               <a:rPr lang="en"/>
-              <a:t>But, if we superimpose one plot over the other we can actually start to see some similarities between Revenue and IMDB Rating</a:t>
-            </a:r>
-            <a:endParaRPr/>
-          </a:p>
-          <a:p>
-            <a:pPr indent="0" lvl="0" marL="457200" rtl="0" algn="l">
-              <a:spcBef>
-                <a:spcPts val="1200"/>
-              </a:spcBef>
-              <a:spcAft>
-                <a:spcPts val="0"/>
-              </a:spcAft>
-              <a:buNone/>
-            </a:pPr>
-            <a:r>
-              <a:t/>
-            </a:r>
-            <a:endParaRPr/>
-          </a:p>
-          <a:p>
-            <a:pPr indent="0" lvl="0" marL="457200" rtl="0" algn="l">
-              <a:spcBef>
-                <a:spcPts val="1200"/>
-              </a:spcBef>
-              <a:spcAft>
-                <a:spcPts val="0"/>
-              </a:spcAft>
-              <a:buNone/>
-            </a:pPr>
-            <a:r>
-              <a:t/>
+              <a:t>Even though it appeared there may have been a stronger correlation with Robert De Niro movies and IMDB Rating/Money Earned, we can see that the correlation is not much stronger here when comparing it to the entirety of the data set (0.25 vs 0.13).</a:t>
             </a:r>
             <a:endParaRPr/>
           </a:p>
@@ -11807,23 +11769,17 @@
             <a:endParaRPr/>
           </a:p>
           <a:p>
-            <a:pPr indent="-311150" lvl="0" marL="457200" rtl="0" algn="l">
+            <a:pPr indent="0" lvl="0" marL="457200" rtl="0" algn="l">
               <a:spcBef>
                 <a:spcPts val="1200"/>
               </a:spcBef>
               <a:spcAft>
-                <a:spcPts val="0"/>
-              </a:spcAft>
-              <a:buSzPts val="1300"/>
-              <a:buChar char="●"/>
+                <a:spcPts val="1200"/>
+              </a:spcAft>
+              <a:buNone/>
             </a:pPr>
             <a:r>
-              <a:rPr lang="en"/>
-              <a:t>Since th</a:t>
-            </a:r>
-            <a:r>
-              <a:rPr lang="en"/>
-              <a:t>is contradicts our earlier findings that IMDB Rating and Total Money Earned are not correlated, we should assume that this is a unique circumstance.  To visualize this, let’s look at another actor…</a:t>
+              <a:t/>
             </a:r>
             <a:endParaRPr/>
           </a:p>
@@ -11845,8 +11801,8 @@
         </p:blipFill>
         <p:spPr>
           <a:xfrm>
-            <a:off x="2104950" y="1920750"/>
-            <a:ext cx="4241849" cy="2400925"/>
+            <a:off x="1664438" y="2125425"/>
+            <a:ext cx="5078724" cy="2983375"/>
           </a:xfrm>
           <a:prstGeom prst="rect">
             <a:avLst/>
@@ -11892,7 +11848,7 @@
         </p:nvSpPr>
         <p:spPr>
           <a:xfrm>
-            <a:off x="729450" y="602300"/>
+            <a:off x="729450" y="1318650"/>
             <a:ext cx="7688700" cy="535200"/>
           </a:xfrm>
           <a:prstGeom prst="rect">
@@ -11932,8 +11888,8 @@
         </p:nvSpPr>
         <p:spPr>
           <a:xfrm>
-            <a:off x="729450" y="1323175"/>
-            <a:ext cx="7688700" cy="3820200"/>
+            <a:off x="729450" y="2078875"/>
+            <a:ext cx="7688700" cy="2261100"/>
           </a:xfrm>
           <a:prstGeom prst="rect">
             <a:avLst/>
@@ -11941,13 +11897,29 @@
         </p:spPr>
         <p:txBody>
           <a:bodyPr anchorCtr="0" anchor="t" bIns="91425" lIns="91425" spcFirstLastPara="1" rIns="91425" wrap="square" tIns="91425">
-            <a:normAutofit/>
+            <a:normAutofit lnSpcReduction="20000"/>
           </a:bodyPr>
           <a:lstStyle/>
           <a:p>
+            <a:pPr indent="0" lvl="0" marL="0" rtl="0" algn="l">
+              <a:spcBef>
+                <a:spcPts val="0"/>
+              </a:spcBef>
+              <a:spcAft>
+                <a:spcPts val="0"/>
+              </a:spcAft>
+              <a:buNone/>
+            </a:pPr>
+            <a:r>
+              <a:rPr lang="en"/>
+              <a:t>TAKEAWAYS</a:t>
+            </a:r>
+            <a:endParaRPr/>
+          </a:p>
+          <a:p>
             <a:pPr indent="-311150" lvl="0" marL="457200" rtl="0" algn="l">
               <a:spcBef>
-                <a:spcPts val="0"/>
+                <a:spcPts val="1200"/>
               </a:spcBef>
               <a:spcAft>
                 <a:spcPts val="0"/>
@@ -11957,23 +11929,11 @@
             </a:pPr>
             <a:r>
               <a:rPr lang="en"/>
-              <a:t>Here, </a:t>
+              <a:t>We o</a:t>
             </a:r>
             <a:r>
               <a:rPr lang="en"/>
-              <a:t>with</a:t>
-            </a:r>
-            <a:r>
-              <a:rPr lang="en"/>
-              <a:t> Morgan Freeman, </a:t>
-            </a:r>
-            <a:r>
-              <a:rPr lang="en"/>
-              <a:t>We can actually see an inverse relationship between </a:t>
-            </a:r>
-            <a:r>
-              <a:rPr lang="en"/>
-              <a:t>IMDB Rating and Total Money Earned. </a:t>
+              <a:t>nce again fail to find any kind of meaningful correlation or predictive value when evaluating actors/directors to the IMDB Ratings of their movies. The same conclusion can be made for the Total Money Earned.</a:t>
             </a:r>
             <a:endParaRPr/>
           </a:p>
@@ -11993,129 +11953,24 @@
             <a:endParaRPr/>
           </a:p>
           <a:p>
-            <a:pPr indent="0" lvl="0" marL="457200" rtl="0" algn="l">
+            <a:pPr indent="-311150" lvl="0" marL="457200" rtl="0" algn="l">
               <a:spcBef>
                 <a:spcPts val="1200"/>
               </a:spcBef>
               <a:spcAft>
                 <a:spcPts val="0"/>
               </a:spcAft>
-              <a:buNone/>
+              <a:buSzPts val="1300"/>
+              <a:buChar char="●"/>
             </a:pPr>
             <a:r>
-              <a:t/>
-            </a:r>
-            <a:endParaRPr/>
-          </a:p>
-          <a:p>
-            <a:pPr indent="0" lvl="0" marL="457200" rtl="0" algn="l">
-              <a:spcBef>
-                <a:spcPts val="1200"/>
-              </a:spcBef>
-              <a:spcAft>
-                <a:spcPts val="0"/>
-              </a:spcAft>
-              <a:buNone/>
-            </a:pPr>
-            <a:r>
-              <a:t/>
-            </a:r>
-            <a:endParaRPr/>
-          </a:p>
-          <a:p>
-            <a:pPr indent="0" lvl="0" marL="457200" rtl="0" algn="l">
-              <a:spcBef>
-                <a:spcPts val="1200"/>
-              </a:spcBef>
-              <a:spcAft>
-                <a:spcPts val="0"/>
-              </a:spcAft>
-              <a:buNone/>
-            </a:pPr>
-            <a:r>
-              <a:t/>
-            </a:r>
-            <a:endParaRPr/>
-          </a:p>
-          <a:p>
-            <a:pPr indent="0" lvl="0" marL="0" rtl="0" algn="l">
-              <a:spcBef>
-                <a:spcPts val="1200"/>
-              </a:spcBef>
-              <a:spcAft>
-                <a:spcPts val="0"/>
-              </a:spcAft>
-              <a:buNone/>
-            </a:pPr>
-            <a:r>
               <a:rPr lang="en"/>
-              <a:t> </a:t>
-            </a:r>
-            <a:br>
-              <a:rPr lang="en"/>
-            </a:br>
-            <a:endParaRPr/>
-          </a:p>
-          <a:p>
-            <a:pPr indent="0" lvl="0" marL="0" rtl="0" algn="l">
-              <a:spcBef>
-                <a:spcPts val="1200"/>
-              </a:spcBef>
-              <a:spcAft>
-                <a:spcPts val="0"/>
-              </a:spcAft>
-              <a:buNone/>
-            </a:pPr>
-            <a:r>
-              <a:t/>
-            </a:r>
-            <a:endParaRPr/>
-          </a:p>
-          <a:p>
-            <a:pPr indent="0" lvl="0" marL="0" rtl="0" algn="l">
-              <a:spcBef>
-                <a:spcPts val="1200"/>
-              </a:spcBef>
-              <a:spcAft>
-                <a:spcPts val="1200"/>
-              </a:spcAft>
-              <a:buNone/>
-            </a:pPr>
-            <a:r>
-              <a:t/>
+              <a:t>Despite some actors and directors having seemingly closely related IMDB Ratings and Money Earned, the entirety of the data showed that these two things are not predictive of one another (not correlated).</a:t>
             </a:r>
             <a:endParaRPr/>
           </a:p>
         </p:txBody>
       </p:sp>
-      <p:pic>
-        <p:nvPicPr>
-          <p:cNvPr id="206" name="Google Shape;206;p31"/>
-          <p:cNvPicPr preferRelativeResize="0"/>
-          <p:nvPr/>
-        </p:nvPicPr>
-        <p:blipFill>
-          <a:blip r:embed="rId3">
-            <a:alphaModFix/>
-          </a:blip>
-          <a:stretch>
-            <a:fillRect/>
-          </a:stretch>
-        </p:blipFill>
-        <p:spPr>
-          <a:xfrm>
-            <a:off x="1924347" y="1897775"/>
-            <a:ext cx="5295300" cy="3140226"/>
-          </a:xfrm>
-          <a:prstGeom prst="rect">
-            <a:avLst/>
-          </a:prstGeom>
-          <a:noFill/>
-          <a:ln>
-            <a:noFill/>
-          </a:ln>
-        </p:spPr>
-      </p:pic>
     </p:spTree>
   </p:cSld>
   <p:clrMapOvr>
@@ -12194,7 +12049,7 @@
   <p:cSld>
     <p:spTree>
       <p:nvGrpSpPr>
-        <p:cNvPr id="210" name="Shape 210"/>
+        <p:cNvPr id="209" name="Shape 209"/>
         <p:cNvGrpSpPr/>
         <p:nvPr/>
       </p:nvGrpSpPr>
@@ -12208,7 +12063,7 @@
       </p:grpSpPr>
       <p:sp>
         <p:nvSpPr>
-          <p:cNvPr id="211" name="Google Shape;211;p32"/>
+          <p:cNvPr id="210" name="Google Shape;210;p32"/>
           <p:cNvSpPr txBox="1"/>
           <p:nvPr>
             <p:ph type="title"/>
@@ -12216,8 +12071,8 @@
         </p:nvSpPr>
         <p:spPr>
           <a:xfrm>
-            <a:off x="729450" y="1318650"/>
-            <a:ext cx="7688700" cy="535200"/>
+            <a:off x="729450" y="1322450"/>
+            <a:ext cx="7688400" cy="1920900"/>
           </a:xfrm>
           <a:prstGeom prst="rect">
             <a:avLst/>
@@ -12225,7 +12080,7 @@
         </p:spPr>
         <p:txBody>
           <a:bodyPr anchorCtr="0" anchor="t" bIns="91425" lIns="91425" spcFirstLastPara="1" rIns="91425" wrap="square" tIns="91425">
-            <a:normAutofit fontScale="90000"/>
+            <a:noAutofit/>
           </a:bodyPr>
           <a:lstStyle/>
           <a:p>
@@ -12239,103 +12094,10 @@
               <a:buNone/>
             </a:pPr>
             <a:r>
-              <a:rPr lang="en"/>
-              <a:t>Actor/Director Analysis</a:t>
-            </a:r>
-            <a:endParaRPr/>
-          </a:p>
-        </p:txBody>
-      </p:sp>
-      <p:sp>
-        <p:nvSpPr>
-          <p:cNvPr id="212" name="Google Shape;212;p32"/>
-          <p:cNvSpPr txBox="1"/>
-          <p:nvPr>
-            <p:ph idx="1" type="body"/>
-          </p:nvPr>
-        </p:nvSpPr>
-        <p:spPr>
-          <a:xfrm>
-            <a:off x="729450" y="2078875"/>
-            <a:ext cx="7688700" cy="2261100"/>
-          </a:xfrm>
-          <a:prstGeom prst="rect">
-            <a:avLst/>
-          </a:prstGeom>
-        </p:spPr>
-        <p:txBody>
-          <a:bodyPr anchorCtr="0" anchor="t" bIns="91425" lIns="91425" spcFirstLastPara="1" rIns="91425" wrap="square" tIns="91425">
-            <a:normAutofit lnSpcReduction="20000"/>
-          </a:bodyPr>
-          <a:lstStyle/>
-          <a:p>
-            <a:pPr indent="0" lvl="0" marL="0" rtl="0" algn="l">
-              <a:spcBef>
-                <a:spcPts val="0"/>
-              </a:spcBef>
-              <a:spcAft>
-                <a:spcPts val="0"/>
-              </a:spcAft>
-              <a:buNone/>
-            </a:pPr>
-            <a:r>
-              <a:rPr lang="en"/>
-              <a:t>TAKEAWAYS</a:t>
-            </a:r>
-            <a:endParaRPr/>
-          </a:p>
-          <a:p>
-            <a:pPr indent="-311150" lvl="0" marL="457200" rtl="0" algn="l">
-              <a:spcBef>
-                <a:spcPts val="1200"/>
-              </a:spcBef>
-              <a:spcAft>
-                <a:spcPts val="0"/>
-              </a:spcAft>
-              <a:buSzPts val="1300"/>
-              <a:buChar char="●"/>
-            </a:pPr>
-            <a:r>
-              <a:rPr lang="en"/>
-              <a:t>We o</a:t>
-            </a:r>
-            <a:r>
-              <a:rPr lang="en"/>
-              <a:t>nce again fail to find any kind of meaningful correlation or predictive value when evaluating actors/directors to the IMDB Ratings of their movies. The same conclusion can be made for the Total Money Earned.</a:t>
-            </a:r>
-            <a:endParaRPr/>
-          </a:p>
-          <a:p>
-            <a:pPr indent="0" lvl="0" marL="457200" rtl="0" algn="l">
-              <a:spcBef>
-                <a:spcPts val="1200"/>
-              </a:spcBef>
-              <a:spcAft>
-                <a:spcPts val="0"/>
-              </a:spcAft>
-              <a:buNone/>
-            </a:pPr>
-            <a:r>
-              <a:t/>
-            </a:r>
-            <a:endParaRPr/>
-          </a:p>
-          <a:p>
-            <a:pPr indent="-311150" lvl="0" marL="457200" rtl="0" algn="l">
-              <a:spcBef>
-                <a:spcPts val="1200"/>
-              </a:spcBef>
-              <a:spcAft>
-                <a:spcPts val="0"/>
-              </a:spcAft>
-              <a:buSzPts val="1300"/>
-              <a:buChar char="●"/>
-            </a:pPr>
-            <a:r>
-              <a:rPr lang="en"/>
-              <a:t>Despite some actors and directors having closely related IMDB Ratings and Money Earned, the entirety of the data showed that these two things are not predictive of one another (not correlated).</a:t>
-            </a:r>
-            <a:endParaRPr/>
+              <a:rPr lang="en" sz="5200"/>
+              <a:t>Genre Analysis</a:t>
+            </a:r>
+            <a:endParaRPr sz="5600"/>
           </a:p>
         </p:txBody>
       </p:sp>
@@ -12352,7 +12114,7 @@
   <p:cSld>
     <p:spTree>
       <p:nvGrpSpPr>
-        <p:cNvPr id="216" name="Shape 216"/>
+        <p:cNvPr id="214" name="Shape 214"/>
         <p:cNvGrpSpPr/>
         <p:nvPr/>
       </p:nvGrpSpPr>
@@ -12366,7 +12128,7 @@
       </p:grpSpPr>
       <p:sp>
         <p:nvSpPr>
-          <p:cNvPr id="217" name="Google Shape;217;p33"/>
+          <p:cNvPr id="215" name="Google Shape;215;p33"/>
           <p:cNvSpPr txBox="1"/>
           <p:nvPr>
             <p:ph type="title"/>
@@ -12374,8 +12136,8 @@
         </p:nvSpPr>
         <p:spPr>
           <a:xfrm>
-            <a:off x="729450" y="1322450"/>
-            <a:ext cx="7688400" cy="1920900"/>
+            <a:off x="729450" y="610200"/>
+            <a:ext cx="7688700" cy="535200"/>
           </a:xfrm>
           <a:prstGeom prst="rect">
             <a:avLst/>
@@ -12383,7 +12145,7 @@
         </p:spPr>
         <p:txBody>
           <a:bodyPr anchorCtr="0" anchor="t" bIns="91425" lIns="91425" spcFirstLastPara="1" rIns="91425" wrap="square" tIns="91425">
-            <a:noAutofit/>
+            <a:normAutofit fontScale="90000"/>
           </a:bodyPr>
           <a:lstStyle/>
           <a:p>
@@ -12397,10 +12159,153 @@
               <a:buNone/>
             </a:pPr>
             <a:r>
-              <a:rPr lang="en" sz="5200"/>
+              <a:rPr lang="en"/>
               <a:t>Genre Analysis</a:t>
             </a:r>
-            <a:endParaRPr sz="5600"/>
+            <a:endParaRPr/>
+          </a:p>
+        </p:txBody>
+      </p:sp>
+      <p:sp>
+        <p:nvSpPr>
+          <p:cNvPr id="216" name="Google Shape;216;p33"/>
+          <p:cNvSpPr txBox="1"/>
+          <p:nvPr>
+            <p:ph idx="1" type="body"/>
+          </p:nvPr>
+        </p:nvSpPr>
+        <p:spPr>
+          <a:xfrm>
+            <a:off x="729450" y="1244450"/>
+            <a:ext cx="7688700" cy="2261100"/>
+          </a:xfrm>
+          <a:prstGeom prst="rect">
+            <a:avLst/>
+          </a:prstGeom>
+        </p:spPr>
+        <p:txBody>
+          <a:bodyPr anchorCtr="0" anchor="t" bIns="91425" lIns="91425" spcFirstLastPara="1" rIns="91425" wrap="square" tIns="91425">
+            <a:normAutofit/>
+          </a:bodyPr>
+          <a:lstStyle/>
+          <a:p>
+            <a:pPr indent="-311150" lvl="0" marL="457200" rtl="0" algn="l">
+              <a:spcBef>
+                <a:spcPts val="0"/>
+              </a:spcBef>
+              <a:spcAft>
+                <a:spcPts val="0"/>
+              </a:spcAft>
+              <a:buSzPts val="1300"/>
+              <a:buChar char="●"/>
+            </a:pPr>
+            <a:r>
+              <a:rPr lang="en"/>
+              <a:t>While exploring the data, we noticed that some movies just had one genre while other movies had up to three genres. Here we can visualize the amount of each:</a:t>
+            </a:r>
+            <a:endParaRPr/>
+          </a:p>
+          <a:p>
+            <a:pPr indent="0" lvl="0" marL="0" rtl="0" algn="l">
+              <a:spcBef>
+                <a:spcPts val="1200"/>
+              </a:spcBef>
+              <a:spcAft>
+                <a:spcPts val="1200"/>
+              </a:spcAft>
+              <a:buNone/>
+            </a:pPr>
+            <a:r>
+              <a:t/>
+            </a:r>
+            <a:endParaRPr/>
+          </a:p>
+        </p:txBody>
+      </p:sp>
+      <p:pic>
+        <p:nvPicPr>
+          <p:cNvPr id="217" name="Google Shape;217;p33"/>
+          <p:cNvPicPr preferRelativeResize="0"/>
+          <p:nvPr/>
+        </p:nvPicPr>
+        <p:blipFill>
+          <a:blip r:embed="rId3">
+            <a:alphaModFix/>
+          </a:blip>
+          <a:stretch>
+            <a:fillRect/>
+          </a:stretch>
+        </p:blipFill>
+        <p:spPr>
+          <a:xfrm>
+            <a:off x="1393913" y="1822500"/>
+            <a:ext cx="4640124" cy="3215525"/>
+          </a:xfrm>
+          <a:prstGeom prst="rect">
+            <a:avLst/>
+          </a:prstGeom>
+          <a:noFill/>
+          <a:ln>
+            <a:noFill/>
+          </a:ln>
+        </p:spPr>
+      </p:pic>
+      <p:sp>
+        <p:nvSpPr>
+          <p:cNvPr id="218" name="Google Shape;218;p33"/>
+          <p:cNvSpPr txBox="1"/>
+          <p:nvPr>
+            <p:ph idx="1" type="body"/>
+          </p:nvPr>
+        </p:nvSpPr>
+        <p:spPr>
+          <a:xfrm>
+            <a:off x="5864775" y="3726925"/>
+            <a:ext cx="2817900" cy="2261100"/>
+          </a:xfrm>
+          <a:prstGeom prst="rect">
+            <a:avLst/>
+          </a:prstGeom>
+        </p:spPr>
+        <p:txBody>
+          <a:bodyPr anchorCtr="0" anchor="t" bIns="91425" lIns="91425" spcFirstLastPara="1" rIns="91425" wrap="square" tIns="91425">
+            <a:normAutofit/>
+          </a:bodyPr>
+          <a:lstStyle/>
+          <a:p>
+            <a:pPr indent="0" lvl="0" marL="0" rtl="0" algn="l">
+              <a:spcBef>
+                <a:spcPts val="0"/>
+              </a:spcBef>
+              <a:spcAft>
+                <a:spcPts val="0"/>
+              </a:spcAft>
+              <a:buNone/>
+            </a:pPr>
+            <a:r>
+              <a:rPr lang="en"/>
+              <a:t>There are clearly more movies w</a:t>
+            </a:r>
+            <a:r>
+              <a:rPr lang="en"/>
+              <a:t>ith multiple genres listed compared to those with just one</a:t>
+            </a:r>
+            <a:endParaRPr/>
+          </a:p>
+          <a:p>
+            <a:pPr indent="0" lvl="0" marL="0" rtl="0" algn="l">
+              <a:spcBef>
+                <a:spcPts val="1200"/>
+              </a:spcBef>
+              <a:spcAft>
+                <a:spcPts val="1200"/>
+              </a:spcAft>
+              <a:buNone/>
+            </a:pPr>
+            <a:r>
+              <a:t/>
+            </a:r>
+            <a:endParaRPr/>
           </a:p>
         </p:txBody>
       </p:sp>
@@ -12417,7 +12322,7 @@
   <p:cSld>
     <p:spTree>
       <p:nvGrpSpPr>
-        <p:cNvPr id="221" name="Shape 221"/>
+        <p:cNvPr id="222" name="Shape 222"/>
         <p:cNvGrpSpPr/>
         <p:nvPr/>
       </p:nvGrpSpPr>
@@ -12431,7 +12336,7 @@
       </p:grpSpPr>
       <p:sp>
         <p:nvSpPr>
-          <p:cNvPr id="222" name="Google Shape;222;p34"/>
+          <p:cNvPr id="223" name="Google Shape;223;p34"/>
           <p:cNvSpPr txBox="1"/>
           <p:nvPr>
             <p:ph type="title"/>
@@ -12471,7 +12376,7 @@
       </p:sp>
       <p:sp>
         <p:nvSpPr>
-          <p:cNvPr id="223" name="Google Shape;223;p34"/>
+          <p:cNvPr id="224" name="Google Shape;224;p34"/>
           <p:cNvSpPr txBox="1"/>
           <p:nvPr>
             <p:ph idx="1" type="body"/>
@@ -12480,7 +12385,7 @@
         <p:spPr>
           <a:xfrm>
             <a:off x="729450" y="1244450"/>
-            <a:ext cx="7688700" cy="2261100"/>
+            <a:ext cx="7688700" cy="1062000"/>
           </a:xfrm>
           <a:prstGeom prst="rect">
             <a:avLst/>
@@ -12504,7 +12409,7 @@
             </a:pPr>
             <a:r>
               <a:rPr lang="en"/>
-              <a:t>While exploring the data, we noticed that some movies just had one genre while other movies had up to three genres. Here we can visualize the amount of each:</a:t>
+              <a:t>Let's examine the distribution of genres within these different movie classifications. When we group movies by how many genres are listed, this is what the distribution looks like:</a:t>
             </a:r>
             <a:endParaRPr/>
           </a:p>
@@ -12527,7 +12432,7 @@
       </p:sp>
       <p:pic>
         <p:nvPicPr>
-          <p:cNvPr id="224" name="Google Shape;224;p34"/>
+          <p:cNvPr id="225" name="Google Shape;225;p34"/>
           <p:cNvPicPr preferRelativeResize="0"/>
           <p:nvPr/>
         </p:nvPicPr>
@@ -12541,8 +12446,8 @@
         </p:blipFill>
         <p:spPr>
           <a:xfrm>
-            <a:off x="1393913" y="1822500"/>
-            <a:ext cx="4640124" cy="3215525"/>
+            <a:off x="4686525" y="1923575"/>
+            <a:ext cx="4457475" cy="2761125"/>
           </a:xfrm>
           <a:prstGeom prst="rect">
             <a:avLst/>
@@ -12553,65 +12458,34 @@
           </a:ln>
         </p:spPr>
       </p:pic>
-      <p:sp>
-        <p:nvSpPr>
-          <p:cNvPr id="225" name="Google Shape;225;p34"/>
-          <p:cNvSpPr txBox="1"/>
-          <p:nvPr>
-            <p:ph idx="1" type="body"/>
-          </p:nvPr>
-        </p:nvSpPr>
-        <p:spPr>
-          <a:xfrm>
-            <a:off x="5864775" y="3726925"/>
-            <a:ext cx="2817900" cy="2261100"/>
+      <p:pic>
+        <p:nvPicPr>
+          <p:cNvPr id="226" name="Google Shape;226;p34"/>
+          <p:cNvPicPr preferRelativeResize="0"/>
+          <p:nvPr/>
+        </p:nvPicPr>
+        <p:blipFill>
+          <a:blip r:embed="rId4">
+            <a:alphaModFix/>
+          </a:blip>
+          <a:stretch>
+            <a:fillRect/>
+          </a:stretch>
+        </p:blipFill>
+        <p:spPr>
+          <a:xfrm>
+            <a:off x="0" y="1923575"/>
+            <a:ext cx="4686524" cy="2761125"/>
           </a:xfrm>
           <a:prstGeom prst="rect">
             <a:avLst/>
           </a:prstGeom>
-        </p:spPr>
-        <p:txBody>
-          <a:bodyPr anchorCtr="0" anchor="t" bIns="91425" lIns="91425" spcFirstLastPara="1" rIns="91425" wrap="square" tIns="91425">
-            <a:normAutofit/>
-          </a:bodyPr>
-          <a:lstStyle/>
-          <a:p>
-            <a:pPr indent="0" lvl="0" marL="0" rtl="0" algn="l">
-              <a:spcBef>
-                <a:spcPts val="0"/>
-              </a:spcBef>
-              <a:spcAft>
-                <a:spcPts val="0"/>
-              </a:spcAft>
-              <a:buNone/>
-            </a:pPr>
-            <a:r>
-              <a:rPr lang="en"/>
-              <a:t>There are clearly more movies w</a:t>
-            </a:r>
-            <a:r>
-              <a:rPr lang="en"/>
-              <a:t>ith multiple genres listed compared to those with just one</a:t>
-            </a:r>
-            <a:endParaRPr/>
-          </a:p>
-          <a:p>
-            <a:pPr indent="0" lvl="0" marL="0" rtl="0" algn="l">
-              <a:spcBef>
-                <a:spcPts val="1200"/>
-              </a:spcBef>
-              <a:spcAft>
-                <a:spcPts val="1200"/>
-              </a:spcAft>
-              <a:buNone/>
-            </a:pPr>
-            <a:r>
-              <a:t/>
-            </a:r>
-            <a:endParaRPr/>
-          </a:p>
-        </p:txBody>
-      </p:sp>
+          <a:noFill/>
+          <a:ln>
+            <a:noFill/>
+          </a:ln>
+        </p:spPr>
+      </p:pic>
     </p:spTree>
   </p:cSld>
   <p:clrMapOvr>
@@ -12625,7 +12499,7 @@
   <p:cSld>
     <p:spTree>
       <p:nvGrpSpPr>
-        <p:cNvPr id="229" name="Shape 229"/>
+        <p:cNvPr id="230" name="Shape 230"/>
         <p:cNvGrpSpPr/>
         <p:nvPr/>
       </p:nvGrpSpPr>
@@ -12639,7 +12513,7 @@
       </p:grpSpPr>
       <p:sp>
         <p:nvSpPr>
-          <p:cNvPr id="230" name="Google Shape;230;p35"/>
+          <p:cNvPr id="231" name="Google Shape;231;p35"/>
           <p:cNvSpPr txBox="1"/>
           <p:nvPr>
             <p:ph type="title"/>
@@ -12679,7 +12553,7 @@
       </p:sp>
       <p:sp>
         <p:nvSpPr>
-          <p:cNvPr id="231" name="Google Shape;231;p35"/>
+          <p:cNvPr id="232" name="Google Shape;232;p35"/>
           <p:cNvSpPr txBox="1"/>
           <p:nvPr>
             <p:ph idx="1" type="body"/>
@@ -12735,7 +12609,7 @@
       </p:sp>
       <p:pic>
         <p:nvPicPr>
-          <p:cNvPr id="232" name="Google Shape;232;p35"/>
+          <p:cNvPr id="233" name="Google Shape;233;p35"/>
           <p:cNvPicPr preferRelativeResize="0"/>
           <p:nvPr/>
         </p:nvPicPr>
@@ -12749,36 +12623,8 @@
         </p:blipFill>
         <p:spPr>
           <a:xfrm>
-            <a:off x="4686525" y="1923575"/>
-            <a:ext cx="4457475" cy="2761125"/>
-          </a:xfrm>
-          <a:prstGeom prst="rect">
-            <a:avLst/>
-          </a:prstGeom>
-          <a:noFill/>
-          <a:ln>
-            <a:noFill/>
-          </a:ln>
-        </p:spPr>
-      </p:pic>
-      <p:pic>
-        <p:nvPicPr>
-          <p:cNvPr id="233" name="Google Shape;233;p35"/>
-          <p:cNvPicPr preferRelativeResize="0"/>
-          <p:nvPr/>
-        </p:nvPicPr>
-        <p:blipFill>
-          <a:blip r:embed="rId4">
-            <a:alphaModFix/>
-          </a:blip>
-          <a:stretch>
-            <a:fillRect/>
-          </a:stretch>
-        </p:blipFill>
-        <p:spPr>
-          <a:xfrm>
-            <a:off x="0" y="1923575"/>
-            <a:ext cx="4686524" cy="2761125"/>
+            <a:off x="1850250" y="1873525"/>
+            <a:ext cx="5447100" cy="3204176"/>
           </a:xfrm>
           <a:prstGeom prst="rect">
             <a:avLst/>
@@ -12824,7 +12670,7 @@
         </p:nvSpPr>
         <p:spPr>
           <a:xfrm>
-            <a:off x="729450" y="610200"/>
+            <a:off x="729450" y="1318650"/>
             <a:ext cx="7688700" cy="535200"/>
           </a:xfrm>
           <a:prstGeom prst="rect">
@@ -12864,8 +12710,8 @@
         </p:nvSpPr>
         <p:spPr>
           <a:xfrm>
-            <a:off x="729450" y="1244450"/>
-            <a:ext cx="7688700" cy="1062000"/>
+            <a:off x="729450" y="2078875"/>
+            <a:ext cx="7688700" cy="2261100"/>
           </a:xfrm>
           <a:prstGeom prst="rect">
             <a:avLst/>
@@ -12889,55 +12735,44 @@
             </a:pPr>
             <a:r>
               <a:rPr lang="en"/>
-              <a:t>Let's examine the distribution of genres within these different movie classifications. When we group movies by how many genres are listed, this is what the distribution looks like:</a:t>
+              <a:t>Unfortunately it appears that the genre distribution is greatly weighted towards “Drama”, which would imply that this data is not normally distributed. If this data is not normally distributed, I don't think it's effective or predictive to use “genre” in comparison with other categories.</a:t>
             </a:r>
             <a:endParaRPr/>
           </a:p>
           <a:p>
-            <a:pPr indent="0" lvl="0" marL="0" rtl="0" algn="l">
+            <a:pPr indent="0" lvl="0" marL="457200" rtl="0" algn="l">
               <a:spcBef>
                 <a:spcPts val="1200"/>
               </a:spcBef>
               <a:spcAft>
+                <a:spcPts val="0"/>
+              </a:spcAft>
+              <a:buNone/>
+            </a:pPr>
+            <a:r>
+              <a:t/>
+            </a:r>
+            <a:endParaRPr/>
+          </a:p>
+          <a:p>
+            <a:pPr indent="-311150" lvl="0" marL="457200" rtl="0" algn="l">
+              <a:spcBef>
                 <a:spcPts val="1200"/>
-              </a:spcAft>
-              <a:buNone/>
+              </a:spcBef>
+              <a:spcAft>
+                <a:spcPts val="0"/>
+              </a:spcAft>
+              <a:buSzPts val="1300"/>
+              <a:buChar char="●"/>
             </a:pPr>
             <a:r>
-              <a:t/>
+              <a:rPr lang="en"/>
+              <a:t>One interesting note is how often movies classify themselves as a drama. Among all three classifications, the “Drama” genre was widely the most common used, even in the group of movies with only one genre.</a:t>
             </a:r>
             <a:endParaRPr/>
           </a:p>
         </p:txBody>
       </p:sp>
-      <p:pic>
-        <p:nvPicPr>
-          <p:cNvPr id="240" name="Google Shape;240;p36"/>
-          <p:cNvPicPr preferRelativeResize="0"/>
-          <p:nvPr/>
-        </p:nvPicPr>
-        <p:blipFill>
-          <a:blip r:embed="rId3">
-            <a:alphaModFix/>
-          </a:blip>
-          <a:stretch>
-            <a:fillRect/>
-          </a:stretch>
-        </p:blipFill>
-        <p:spPr>
-          <a:xfrm>
-            <a:off x="1850250" y="1873525"/>
-            <a:ext cx="5447100" cy="3204176"/>
-          </a:xfrm>
-          <a:prstGeom prst="rect">
-            <a:avLst/>
-          </a:prstGeom>
-          <a:noFill/>
-          <a:ln>
-            <a:noFill/>
-          </a:ln>
-        </p:spPr>
-      </p:pic>
     </p:spTree>
   </p:cSld>
   <p:clrMapOvr>
@@ -12951,7 +12786,7 @@
   <p:cSld>
     <p:spTree>
       <p:nvGrpSpPr>
-        <p:cNvPr id="244" name="Shape 244"/>
+        <p:cNvPr id="243" name="Shape 243"/>
         <p:cNvGrpSpPr/>
         <p:nvPr/>
       </p:nvGrpSpPr>
@@ -12965,7 +12800,7 @@
       </p:grpSpPr>
       <p:sp>
         <p:nvSpPr>
-          <p:cNvPr id="245" name="Google Shape;245;p37"/>
+          <p:cNvPr id="244" name="Google Shape;244;p37"/>
           <p:cNvSpPr txBox="1"/>
           <p:nvPr>
             <p:ph type="title"/>
@@ -12973,8 +12808,8 @@
         </p:nvSpPr>
         <p:spPr>
           <a:xfrm>
-            <a:off x="729450" y="1318650"/>
-            <a:ext cx="7688700" cy="535200"/>
+            <a:off x="729450" y="1322450"/>
+            <a:ext cx="7688400" cy="1920900"/>
           </a:xfrm>
           <a:prstGeom prst="rect">
             <a:avLst/>
@@ -12982,7 +12817,7 @@
         </p:spPr>
         <p:txBody>
           <a:bodyPr anchorCtr="0" anchor="t" bIns="91425" lIns="91425" spcFirstLastPara="1" rIns="91425" wrap="square" tIns="91425">
-            <a:normAutofit fontScale="90000"/>
+            <a:noAutofit/>
           </a:bodyPr>
           <a:lstStyle/>
           <a:p>
@@ -12996,83 +12831,10 @@
               <a:buNone/>
             </a:pPr>
             <a:r>
-              <a:rPr lang="en"/>
-              <a:t>Genre Analysis</a:t>
-            </a:r>
-            <a:endParaRPr/>
-          </a:p>
-        </p:txBody>
-      </p:sp>
-      <p:sp>
-        <p:nvSpPr>
-          <p:cNvPr id="246" name="Google Shape;246;p37"/>
-          <p:cNvSpPr txBox="1"/>
-          <p:nvPr>
-            <p:ph idx="1" type="body"/>
-          </p:nvPr>
-        </p:nvSpPr>
-        <p:spPr>
-          <a:xfrm>
-            <a:off x="729450" y="2078875"/>
-            <a:ext cx="7688700" cy="2261100"/>
-          </a:xfrm>
-          <a:prstGeom prst="rect">
-            <a:avLst/>
-          </a:prstGeom>
-        </p:spPr>
-        <p:txBody>
-          <a:bodyPr anchorCtr="0" anchor="t" bIns="91425" lIns="91425" spcFirstLastPara="1" rIns="91425" wrap="square" tIns="91425">
-            <a:normAutofit/>
-          </a:bodyPr>
-          <a:lstStyle/>
-          <a:p>
-            <a:pPr indent="-311150" lvl="0" marL="457200" rtl="0" algn="l">
-              <a:spcBef>
-                <a:spcPts val="0"/>
-              </a:spcBef>
-              <a:spcAft>
-                <a:spcPts val="0"/>
-              </a:spcAft>
-              <a:buSzPts val="1300"/>
-              <a:buChar char="●"/>
-            </a:pPr>
-            <a:r>
-              <a:rPr lang="en"/>
-              <a:t>Unfortunately it appears that the genre distribution is greatly weighted towards “Drama”, which would imply that this data is not normally distributed. If this data is not normally distributed, I don't think it's effective or predictive to use “genre” in comparison with other categories.</a:t>
-            </a:r>
-            <a:endParaRPr/>
-          </a:p>
-          <a:p>
-            <a:pPr indent="0" lvl="0" marL="457200" rtl="0" algn="l">
-              <a:spcBef>
-                <a:spcPts val="1200"/>
-              </a:spcBef>
-              <a:spcAft>
-                <a:spcPts val="0"/>
-              </a:spcAft>
-              <a:buNone/>
-            </a:pPr>
-            <a:r>
-              <a:t/>
-            </a:r>
-            <a:endParaRPr/>
-          </a:p>
-          <a:p>
-            <a:pPr indent="-311150" lvl="0" marL="457200" rtl="0" algn="l">
-              <a:spcBef>
-                <a:spcPts val="1200"/>
-              </a:spcBef>
-              <a:spcAft>
-                <a:spcPts val="0"/>
-              </a:spcAft>
-              <a:buSzPts val="1300"/>
-              <a:buChar char="●"/>
-            </a:pPr>
-            <a:r>
-              <a:rPr lang="en"/>
-              <a:t>One interesting note is how often movies classify themselves as a drama. Among all three classifications, the “Drama” genre was widely the most common used, even in the group of movies with only one genre.</a:t>
-            </a:r>
-            <a:endParaRPr/>
+              <a:rPr lang="en" sz="3500"/>
+              <a:t>Is there a relationship between professional critic ratings and drama movie runtimes?</a:t>
+            </a:r>
+            <a:endParaRPr sz="3900"/>
           </a:p>
         </p:txBody>
       </p:sp>
@@ -13089,7 +12851,7 @@
   <p:cSld>
     <p:spTree>
       <p:nvGrpSpPr>
-        <p:cNvPr id="250" name="Shape 250"/>
+        <p:cNvPr id="248" name="Shape 248"/>
         <p:cNvGrpSpPr/>
         <p:nvPr/>
       </p:nvGrpSpPr>
@@ -13103,7 +12865,7 @@
       </p:grpSpPr>
       <p:sp>
         <p:nvSpPr>
-          <p:cNvPr id="251" name="Google Shape;251;p38"/>
+          <p:cNvPr id="249" name="Google Shape;249;p38"/>
           <p:cNvSpPr txBox="1"/>
           <p:nvPr>
             <p:ph type="title"/>
@@ -13111,8 +12873,8 @@
         </p:nvSpPr>
         <p:spPr>
           <a:xfrm>
-            <a:off x="729450" y="1322450"/>
-            <a:ext cx="7688400" cy="1920900"/>
+            <a:off x="729450" y="587775"/>
+            <a:ext cx="7688700" cy="535200"/>
           </a:xfrm>
           <a:prstGeom prst="rect">
             <a:avLst/>
@@ -13120,7 +12882,7 @@
         </p:spPr>
         <p:txBody>
           <a:bodyPr anchorCtr="0" anchor="t" bIns="91425" lIns="91425" spcFirstLastPara="1" rIns="91425" wrap="square" tIns="91425">
-            <a:noAutofit/>
+            <a:normAutofit fontScale="90000"/>
           </a:bodyPr>
           <a:lstStyle/>
           <a:p>
@@ -13134,13 +12896,87 @@
               <a:buNone/>
             </a:pPr>
             <a:r>
-              <a:rPr lang="en" sz="3500"/>
-              <a:t>Is there a relationship between professional critic ratings and drama movie runtimes?</a:t>
-            </a:r>
-            <a:endParaRPr sz="3900"/>
+              <a:rPr lang="en"/>
+              <a:t>More </a:t>
+            </a:r>
+            <a:r>
+              <a:rPr lang="en"/>
+              <a:t>Fine Tuning</a:t>
+            </a:r>
+            <a:r>
+              <a:rPr lang="en"/>
+              <a:t> of Data</a:t>
+            </a:r>
+            <a:endParaRPr/>
           </a:p>
         </p:txBody>
       </p:sp>
+      <p:sp>
+        <p:nvSpPr>
+          <p:cNvPr id="250" name="Google Shape;250;p38"/>
+          <p:cNvSpPr txBox="1"/>
+          <p:nvPr>
+            <p:ph idx="1" type="body"/>
+          </p:nvPr>
+        </p:nvSpPr>
+        <p:spPr>
+          <a:xfrm>
+            <a:off x="729450" y="1331575"/>
+            <a:ext cx="7688700" cy="2261100"/>
+          </a:xfrm>
+          <a:prstGeom prst="rect">
+            <a:avLst/>
+          </a:prstGeom>
+        </p:spPr>
+        <p:txBody>
+          <a:bodyPr anchorCtr="0" anchor="t" bIns="91425" lIns="91425" spcFirstLastPara="1" rIns="91425" wrap="square" tIns="91425">
+            <a:normAutofit/>
+          </a:bodyPr>
+          <a:lstStyle/>
+          <a:p>
+            <a:pPr indent="0" lvl="0" marL="0" rtl="0" algn="l">
+              <a:spcBef>
+                <a:spcPts val="0"/>
+              </a:spcBef>
+              <a:spcAft>
+                <a:spcPts val="1200"/>
+              </a:spcAft>
+              <a:buNone/>
+            </a:pPr>
+            <a:r>
+              <a:t/>
+            </a:r>
+            <a:endParaRPr/>
+          </a:p>
+        </p:txBody>
+      </p:sp>
+      <p:pic>
+        <p:nvPicPr>
+          <p:cNvPr id="251" name="Google Shape;251;p38"/>
+          <p:cNvPicPr preferRelativeResize="0"/>
+          <p:nvPr/>
+        </p:nvPicPr>
+        <p:blipFill rotWithShape="1">
+          <a:blip r:embed="rId3">
+            <a:alphaModFix/>
+          </a:blip>
+          <a:srcRect b="38582" l="0" r="0" t="0"/>
+          <a:stretch/>
+        </p:blipFill>
+        <p:spPr>
+          <a:xfrm>
+            <a:off x="243350" y="1384075"/>
+            <a:ext cx="8496476" cy="3375724"/>
+          </a:xfrm>
+          <a:prstGeom prst="rect">
+            <a:avLst/>
+          </a:prstGeom>
+          <a:noFill/>
+          <a:ln>
+            <a:noFill/>
+          </a:ln>
+        </p:spPr>
+      </p:pic>
     </p:spTree>
   </p:cSld>
   <p:clrMapOvr>
@@ -13176,7 +13012,7 @@
         </p:nvSpPr>
         <p:spPr>
           <a:xfrm>
-            <a:off x="729450" y="587775"/>
+            <a:off x="727650" y="596900"/>
             <a:ext cx="7688700" cy="535200"/>
           </a:xfrm>
           <a:prstGeom prst="rect">
@@ -13200,15 +13036,7 @@
             </a:pPr>
             <a:r>
               <a:rPr lang="en"/>
-              <a:t>More </a:t>
-            </a:r>
-            <a:r>
-              <a:rPr lang="en"/>
-              <a:t>Fine Tuning</a:t>
-            </a:r>
-            <a:r>
-              <a:rPr lang="en"/>
-              <a:t> of Data</a:t>
+              <a:t>Runtime (in mins) vs Meta-Score</a:t>
             </a:r>
             <a:endParaRPr/>
           </a:p>
@@ -13224,7 +13052,7 @@
         </p:nvSpPr>
         <p:spPr>
           <a:xfrm>
-            <a:off x="729450" y="1331575"/>
+            <a:off x="729450" y="2078875"/>
             <a:ext cx="7688700" cy="2261100"/>
           </a:xfrm>
           <a:prstGeom prst="rect">
@@ -13259,17 +13087,18 @@
           <p:cNvPicPr preferRelativeResize="0"/>
           <p:nvPr/>
         </p:nvPicPr>
-        <p:blipFill rotWithShape="1">
+        <p:blipFill>
           <a:blip r:embed="rId3">
             <a:alphaModFix/>
           </a:blip>
-          <a:srcRect b="38582" l="0" r="0" t="0"/>
-          <a:stretch/>
+          <a:stretch>
+            <a:fillRect/>
+          </a:stretch>
         </p:blipFill>
         <p:spPr>
           <a:xfrm>
-            <a:off x="243350" y="1384075"/>
-            <a:ext cx="8496476" cy="3375724"/>
+            <a:off x="1964199" y="1132100"/>
+            <a:ext cx="5540175" cy="3922901"/>
           </a:xfrm>
           <a:prstGeom prst="rect">
             <a:avLst/>
@@ -13315,7 +13144,7 @@
         </p:nvSpPr>
         <p:spPr>
           <a:xfrm>
-            <a:off x="727650" y="596900"/>
+            <a:off x="729450" y="523825"/>
             <a:ext cx="7688700" cy="535200"/>
           </a:xfrm>
           <a:prstGeom prst="rect">
@@ -13339,7 +13168,7 @@
             </a:pPr>
             <a:r>
               <a:rPr lang="en"/>
-              <a:t>Runtime (in mins) vs Meta-Score</a:t>
+              <a:t>Current Distributions</a:t>
             </a:r>
             <a:endParaRPr/>
           </a:p>
@@ -13400,8 +13229,8 @@
         </p:blipFill>
         <p:spPr>
           <a:xfrm>
-            <a:off x="1964199" y="1132100"/>
-            <a:ext cx="5540175" cy="3922901"/>
+            <a:off x="237549" y="1349350"/>
+            <a:ext cx="4244198" cy="3005250"/>
           </a:xfrm>
           <a:prstGeom prst="rect">
             <a:avLst/>
@@ -13412,6 +13241,138 @@
           </a:ln>
         </p:spPr>
       </p:pic>
+      <p:pic>
+        <p:nvPicPr>
+          <p:cNvPr id="266" name="Google Shape;266;p40"/>
+          <p:cNvPicPr preferRelativeResize="0"/>
+          <p:nvPr/>
+        </p:nvPicPr>
+        <p:blipFill>
+          <a:blip r:embed="rId4">
+            <a:alphaModFix/>
+          </a:blip>
+          <a:stretch>
+            <a:fillRect/>
+          </a:stretch>
+        </p:blipFill>
+        <p:spPr>
+          <a:xfrm>
+            <a:off x="4695850" y="1378825"/>
+            <a:ext cx="4160925" cy="2946300"/>
+          </a:xfrm>
+          <a:prstGeom prst="rect">
+            <a:avLst/>
+          </a:prstGeom>
+          <a:noFill/>
+          <a:ln>
+            <a:noFill/>
+          </a:ln>
+        </p:spPr>
+      </p:pic>
+      <p:sp>
+        <p:nvSpPr>
+          <p:cNvPr id="267" name="Google Shape;267;p40"/>
+          <p:cNvSpPr/>
+          <p:nvPr/>
+        </p:nvSpPr>
+        <p:spPr>
+          <a:xfrm>
+            <a:off x="3033075" y="3435100"/>
+            <a:ext cx="968400" cy="968400"/>
+          </a:xfrm>
+          <a:prstGeom prst="ellipse">
+            <a:avLst/>
+          </a:prstGeom>
+          <a:noFill/>
+          <a:ln cap="flat" cmpd="sng" w="38100">
+            <a:solidFill>
+              <a:srgbClr val="FF0000"/>
+            </a:solidFill>
+            <a:prstDash val="solid"/>
+            <a:round/>
+            <a:headEnd len="sm" w="sm" type="none"/>
+            <a:tailEnd len="sm" w="sm" type="none"/>
+          </a:ln>
+        </p:spPr>
+        <p:txBody>
+          <a:bodyPr anchorCtr="0" anchor="ctr" bIns="91425" lIns="91425" spcFirstLastPara="1" rIns="91425" wrap="square" tIns="91425">
+            <a:noAutofit/>
+          </a:bodyPr>
+          <a:lstStyle/>
+          <a:p>
+            <a:pPr indent="0" lvl="0" marL="0" rtl="0" algn="ctr">
+              <a:spcBef>
+                <a:spcPts val="0"/>
+              </a:spcBef>
+              <a:spcAft>
+                <a:spcPts val="0"/>
+              </a:spcAft>
+              <a:buNone/>
+            </a:pPr>
+            <a:r>
+              <a:t/>
+            </a:r>
+            <a:endParaRPr>
+              <a:latin typeface="Lato"/>
+              <a:ea typeface="Lato"/>
+              <a:cs typeface="Lato"/>
+              <a:sym typeface="Lato"/>
+            </a:endParaRPr>
+          </a:p>
+        </p:txBody>
+      </p:sp>
+      <p:sp>
+        <p:nvSpPr>
+          <p:cNvPr id="268" name="Google Shape;268;p40"/>
+          <p:cNvSpPr/>
+          <p:nvPr/>
+        </p:nvSpPr>
+        <p:spPr>
+          <a:xfrm>
+            <a:off x="5231925" y="3356725"/>
+            <a:ext cx="968400" cy="968400"/>
+          </a:xfrm>
+          <a:prstGeom prst="ellipse">
+            <a:avLst/>
+          </a:prstGeom>
+          <a:noFill/>
+          <a:ln cap="flat" cmpd="sng" w="38100">
+            <a:solidFill>
+              <a:srgbClr val="FF0000"/>
+            </a:solidFill>
+            <a:prstDash val="solid"/>
+            <a:round/>
+            <a:headEnd len="sm" w="sm" type="none"/>
+            <a:tailEnd len="sm" w="sm" type="none"/>
+          </a:ln>
+        </p:spPr>
+        <p:txBody>
+          <a:bodyPr anchorCtr="0" anchor="ctr" bIns="91425" lIns="91425" spcFirstLastPara="1" rIns="91425" wrap="square" tIns="91425">
+            <a:noAutofit/>
+          </a:bodyPr>
+          <a:lstStyle/>
+          <a:p>
+            <a:pPr indent="0" lvl="0" marL="0" rtl="0" algn="ctr">
+              <a:spcBef>
+                <a:spcPts val="0"/>
+              </a:spcBef>
+              <a:spcAft>
+                <a:spcPts val="0"/>
+              </a:spcAft>
+              <a:buNone/>
+            </a:pPr>
+            <a:r>
+              <a:t/>
+            </a:r>
+            <a:endParaRPr>
+              <a:latin typeface="Lato"/>
+              <a:ea typeface="Lato"/>
+              <a:cs typeface="Lato"/>
+              <a:sym typeface="Lato"/>
+            </a:endParaRPr>
+          </a:p>
+        </p:txBody>
+      </p:sp>
     </p:spTree>
   </p:cSld>
   <p:clrMapOvr>
@@ -13425,7 +13386,7 @@
   <p:cSld>
     <p:spTree>
       <p:nvGrpSpPr>
-        <p:cNvPr id="269" name="Shape 269"/>
+        <p:cNvPr id="272" name="Shape 272"/>
         <p:cNvGrpSpPr/>
         <p:nvPr/>
       </p:nvGrpSpPr>
@@ -13439,7 +13400,7 @@
       </p:grpSpPr>
       <p:sp>
         <p:nvSpPr>
-          <p:cNvPr id="270" name="Google Shape;270;p41"/>
+          <p:cNvPr id="273" name="Google Shape;273;p41"/>
           <p:cNvSpPr txBox="1"/>
           <p:nvPr>
             <p:ph type="title"/>
@@ -13447,8 +13408,8 @@
         </p:nvSpPr>
         <p:spPr>
           <a:xfrm>
-            <a:off x="729450" y="523825"/>
-            <a:ext cx="7688700" cy="535200"/>
+            <a:off x="727800" y="578650"/>
+            <a:ext cx="7688400" cy="535200"/>
           </a:xfrm>
           <a:prstGeom prst="rect">
             <a:avLst/>
@@ -13471,54 +13432,15 @@
             </a:pPr>
             <a:r>
               <a:rPr lang="en"/>
-              <a:t>Current Distributions</a:t>
+              <a:t>Creating Normal Distribution for Runtime</a:t>
             </a:r>
             <a:endParaRPr/>
           </a:p>
         </p:txBody>
       </p:sp>
-      <p:sp>
-        <p:nvSpPr>
-          <p:cNvPr id="271" name="Google Shape;271;p41"/>
-          <p:cNvSpPr txBox="1"/>
-          <p:nvPr>
-            <p:ph idx="1" type="body"/>
-          </p:nvPr>
-        </p:nvSpPr>
-        <p:spPr>
-          <a:xfrm>
-            <a:off x="729450" y="2078875"/>
-            <a:ext cx="7688700" cy="2261100"/>
-          </a:xfrm>
-          <a:prstGeom prst="rect">
-            <a:avLst/>
-          </a:prstGeom>
-        </p:spPr>
-        <p:txBody>
-          <a:bodyPr anchorCtr="0" anchor="t" bIns="91425" lIns="91425" spcFirstLastPara="1" rIns="91425" wrap="square" tIns="91425">
-            <a:normAutofit/>
-          </a:bodyPr>
-          <a:lstStyle/>
-          <a:p>
-            <a:pPr indent="0" lvl="0" marL="0" rtl="0" algn="l">
-              <a:spcBef>
-                <a:spcPts val="0"/>
-              </a:spcBef>
-              <a:spcAft>
-                <a:spcPts val="1200"/>
-              </a:spcAft>
-              <a:buNone/>
-            </a:pPr>
-            <a:r>
-              <a:t/>
-            </a:r>
-            <a:endParaRPr/>
-          </a:p>
-        </p:txBody>
-      </p:sp>
       <p:pic>
         <p:nvPicPr>
-          <p:cNvPr id="272" name="Google Shape;272;p41"/>
+          <p:cNvPr id="274" name="Google Shape;274;p41"/>
           <p:cNvPicPr preferRelativeResize="0"/>
           <p:nvPr/>
         </p:nvPicPr>
@@ -13532,8 +13454,8 @@
         </p:blipFill>
         <p:spPr>
           <a:xfrm>
-            <a:off x="237549" y="1349350"/>
-            <a:ext cx="4244198" cy="3005250"/>
+            <a:off x="152400" y="1340075"/>
+            <a:ext cx="8839202" cy="3751573"/>
           </a:xfrm>
           <a:prstGeom prst="rect">
             <a:avLst/>
@@ -13544,138 +13466,6 @@
           </a:ln>
         </p:spPr>
       </p:pic>
-      <p:pic>
-        <p:nvPicPr>
-          <p:cNvPr id="273" name="Google Shape;273;p41"/>
-          <p:cNvPicPr preferRelativeResize="0"/>
-          <p:nvPr/>
-        </p:nvPicPr>
-        <p:blipFill>
-          <a:blip r:embed="rId4">
-            <a:alphaModFix/>
-          </a:blip>
-          <a:stretch>
-            <a:fillRect/>
-          </a:stretch>
-        </p:blipFill>
-        <p:spPr>
-          <a:xfrm>
-            <a:off x="4695850" y="1378825"/>
-            <a:ext cx="4160925" cy="2946300"/>
-          </a:xfrm>
-          <a:prstGeom prst="rect">
-            <a:avLst/>
-          </a:prstGeom>
-          <a:noFill/>
-          <a:ln>
-            <a:noFill/>
-          </a:ln>
-        </p:spPr>
-      </p:pic>
-      <p:sp>
-        <p:nvSpPr>
-          <p:cNvPr id="274" name="Google Shape;274;p41"/>
-          <p:cNvSpPr/>
-          <p:nvPr/>
-        </p:nvSpPr>
-        <p:spPr>
-          <a:xfrm>
-            <a:off x="3033075" y="3435100"/>
-            <a:ext cx="968400" cy="968400"/>
-          </a:xfrm>
-          <a:prstGeom prst="ellipse">
-            <a:avLst/>
-          </a:prstGeom>
-          <a:noFill/>
-          <a:ln cap="flat" cmpd="sng" w="38100">
-            <a:solidFill>
-              <a:srgbClr val="FF0000"/>
-            </a:solidFill>
-            <a:prstDash val="solid"/>
-            <a:round/>
-            <a:headEnd len="sm" w="sm" type="none"/>
-            <a:tailEnd len="sm" w="sm" type="none"/>
-          </a:ln>
-        </p:spPr>
-        <p:txBody>
-          <a:bodyPr anchorCtr="0" anchor="ctr" bIns="91425" lIns="91425" spcFirstLastPara="1" rIns="91425" wrap="square" tIns="91425">
-            <a:noAutofit/>
-          </a:bodyPr>
-          <a:lstStyle/>
-          <a:p>
-            <a:pPr indent="0" lvl="0" marL="0" rtl="0" algn="ctr">
-              <a:spcBef>
-                <a:spcPts val="0"/>
-              </a:spcBef>
-              <a:spcAft>
-                <a:spcPts val="0"/>
-              </a:spcAft>
-              <a:buNone/>
-            </a:pPr>
-            <a:r>
-              <a:t/>
-            </a:r>
-            <a:endParaRPr>
-              <a:latin typeface="Lato"/>
-              <a:ea typeface="Lato"/>
-              <a:cs typeface="Lato"/>
-              <a:sym typeface="Lato"/>
-            </a:endParaRPr>
-          </a:p>
-        </p:txBody>
-      </p:sp>
-      <p:sp>
-        <p:nvSpPr>
-          <p:cNvPr id="275" name="Google Shape;275;p41"/>
-          <p:cNvSpPr/>
-          <p:nvPr/>
-        </p:nvSpPr>
-        <p:spPr>
-          <a:xfrm>
-            <a:off x="5231925" y="3356725"/>
-            <a:ext cx="968400" cy="968400"/>
-          </a:xfrm>
-          <a:prstGeom prst="ellipse">
-            <a:avLst/>
-          </a:prstGeom>
-          <a:noFill/>
-          <a:ln cap="flat" cmpd="sng" w="38100">
-            <a:solidFill>
-              <a:srgbClr val="FF0000"/>
-            </a:solidFill>
-            <a:prstDash val="solid"/>
-            <a:round/>
-            <a:headEnd len="sm" w="sm" type="none"/>
-            <a:tailEnd len="sm" w="sm" type="none"/>
-          </a:ln>
-        </p:spPr>
-        <p:txBody>
-          <a:bodyPr anchorCtr="0" anchor="ctr" bIns="91425" lIns="91425" spcFirstLastPara="1" rIns="91425" wrap="square" tIns="91425">
-            <a:noAutofit/>
-          </a:bodyPr>
-          <a:lstStyle/>
-          <a:p>
-            <a:pPr indent="0" lvl="0" marL="0" rtl="0" algn="ctr">
-              <a:spcBef>
-                <a:spcPts val="0"/>
-              </a:spcBef>
-              <a:spcAft>
-                <a:spcPts val="0"/>
-              </a:spcAft>
-              <a:buNone/>
-            </a:pPr>
-            <a:r>
-              <a:t/>
-            </a:r>
-            <a:endParaRPr>
-              <a:latin typeface="Lato"/>
-              <a:ea typeface="Lato"/>
-              <a:cs typeface="Lato"/>
-              <a:sym typeface="Lato"/>
-            </a:endParaRPr>
-          </a:p>
-        </p:txBody>
-      </p:sp>
     </p:spTree>
   </p:cSld>
   <p:clrMapOvr>
@@ -13942,7 +13732,7 @@
   <p:cSld>
     <p:spTree>
       <p:nvGrpSpPr>
-        <p:cNvPr id="279" name="Shape 279"/>
+        <p:cNvPr id="278" name="Shape 278"/>
         <p:cNvGrpSpPr/>
         <p:nvPr/>
       </p:nvGrpSpPr>
@@ -13956,7 +13746,7 @@
       </p:grpSpPr>
       <p:sp>
         <p:nvSpPr>
-          <p:cNvPr id="280" name="Google Shape;280;p42"/>
+          <p:cNvPr id="279" name="Google Shape;279;p42"/>
           <p:cNvSpPr txBox="1"/>
           <p:nvPr>
             <p:ph type="title"/>
@@ -13988,7 +13778,7 @@
             </a:pPr>
             <a:r>
               <a:rPr lang="en"/>
-              <a:t>Creating Normal Distribution for Runtime</a:t>
+              <a:t>Creating Normal Distribution for Meta-Score</a:t>
             </a:r>
             <a:endParaRPr/>
           </a:p>
@@ -13996,7 +13786,7 @@
       </p:sp>
       <p:pic>
         <p:nvPicPr>
-          <p:cNvPr id="281" name="Google Shape;281;p42"/>
+          <p:cNvPr id="280" name="Google Shape;280;p42"/>
           <p:cNvPicPr preferRelativeResize="0"/>
           <p:nvPr/>
         </p:nvPicPr>
@@ -14010,8 +13800,8 @@
         </p:blipFill>
         <p:spPr>
           <a:xfrm>
-            <a:off x="152400" y="1340075"/>
-            <a:ext cx="8839202" cy="3751573"/>
+            <a:off x="152400" y="1988725"/>
+            <a:ext cx="8839202" cy="2176620"/>
           </a:xfrm>
           <a:prstGeom prst="rect">
             <a:avLst/>
@@ -14035,7 +13825,7 @@
   <p:cSld>
     <p:spTree>
       <p:nvGrpSpPr>
-        <p:cNvPr id="285" name="Shape 285"/>
+        <p:cNvPr id="284" name="Shape 284"/>
         <p:cNvGrpSpPr/>
         <p:nvPr/>
       </p:nvGrpSpPr>
@@ -14049,7 +13839,7 @@
       </p:grpSpPr>
       <p:sp>
         <p:nvSpPr>
-          <p:cNvPr id="286" name="Google Shape;286;p43"/>
+          <p:cNvPr id="285" name="Google Shape;285;p43"/>
           <p:cNvSpPr txBox="1"/>
           <p:nvPr>
             <p:ph type="title"/>
@@ -14057,8 +13847,8 @@
         </p:nvSpPr>
         <p:spPr>
           <a:xfrm>
-            <a:off x="727800" y="578650"/>
-            <a:ext cx="7688400" cy="535200"/>
+            <a:off x="729450" y="569500"/>
+            <a:ext cx="7688700" cy="535200"/>
           </a:xfrm>
           <a:prstGeom prst="rect">
             <a:avLst/>
@@ -14081,7 +13871,46 @@
             </a:pPr>
             <a:r>
               <a:rPr lang="en"/>
-              <a:t>Creating Normal Distribution for Meta-Score</a:t>
+              <a:t>Normal Distributions</a:t>
+            </a:r>
+            <a:endParaRPr/>
+          </a:p>
+        </p:txBody>
+      </p:sp>
+      <p:sp>
+        <p:nvSpPr>
+          <p:cNvPr id="286" name="Google Shape;286;p43"/>
+          <p:cNvSpPr txBox="1"/>
+          <p:nvPr>
+            <p:ph idx="1" type="body"/>
+          </p:nvPr>
+        </p:nvSpPr>
+        <p:spPr>
+          <a:xfrm>
+            <a:off x="729450" y="2078875"/>
+            <a:ext cx="7688700" cy="2261100"/>
+          </a:xfrm>
+          <a:prstGeom prst="rect">
+            <a:avLst/>
+          </a:prstGeom>
+        </p:spPr>
+        <p:txBody>
+          <a:bodyPr anchorCtr="0" anchor="t" bIns="91425" lIns="91425" spcFirstLastPara="1" rIns="91425" wrap="square" tIns="91425">
+            <a:normAutofit/>
+          </a:bodyPr>
+          <a:lstStyle/>
+          <a:p>
+            <a:pPr indent="0" lvl="0" marL="0" rtl="0" algn="l">
+              <a:spcBef>
+                <a:spcPts val="0"/>
+              </a:spcBef>
+              <a:spcAft>
+                <a:spcPts val="1200"/>
+              </a:spcAft>
+              <a:buNone/>
+            </a:pPr>
+            <a:r>
+              <a:t/>
             </a:r>
             <a:endParaRPr/>
           </a:p>
@@ -14103,8 +13932,36 @@
         </p:blipFill>
         <p:spPr>
           <a:xfrm>
-            <a:off x="152400" y="1988725"/>
-            <a:ext cx="8839202" cy="2176620"/>
+            <a:off x="173575" y="1572550"/>
+            <a:ext cx="4220775" cy="2988674"/>
+          </a:xfrm>
+          <a:prstGeom prst="rect">
+            <a:avLst/>
+          </a:prstGeom>
+          <a:noFill/>
+          <a:ln>
+            <a:noFill/>
+          </a:ln>
+        </p:spPr>
+      </p:pic>
+      <p:pic>
+        <p:nvPicPr>
+          <p:cNvPr id="288" name="Google Shape;288;p43"/>
+          <p:cNvPicPr preferRelativeResize="0"/>
+          <p:nvPr/>
+        </p:nvPicPr>
+        <p:blipFill>
+          <a:blip r:embed="rId4">
+            <a:alphaModFix/>
+          </a:blip>
+          <a:stretch>
+            <a:fillRect/>
+          </a:stretch>
+        </p:blipFill>
+        <p:spPr>
+          <a:xfrm>
+            <a:off x="4494850" y="1523103"/>
+            <a:ext cx="4593549" cy="3087571"/>
           </a:xfrm>
           <a:prstGeom prst="rect">
             <a:avLst/>
@@ -14128,7 +13985,7 @@
   <p:cSld>
     <p:spTree>
       <p:nvGrpSpPr>
-        <p:cNvPr id="291" name="Shape 291"/>
+        <p:cNvPr id="292" name="Shape 292"/>
         <p:cNvGrpSpPr/>
         <p:nvPr/>
       </p:nvGrpSpPr>
@@ -14142,7 +13999,7 @@
       </p:grpSpPr>
       <p:sp>
         <p:nvSpPr>
-          <p:cNvPr id="292" name="Google Shape;292;p44"/>
+          <p:cNvPr id="293" name="Google Shape;293;p44"/>
           <p:cNvSpPr txBox="1"/>
           <p:nvPr>
             <p:ph type="title"/>
@@ -14150,7 +14007,7 @@
         </p:nvSpPr>
         <p:spPr>
           <a:xfrm>
-            <a:off x="729450" y="569500"/>
+            <a:off x="729450" y="551250"/>
             <a:ext cx="7688700" cy="535200"/>
           </a:xfrm>
           <a:prstGeom prst="rect">
@@ -14174,7 +14031,7 @@
             </a:pPr>
             <a:r>
               <a:rPr lang="en"/>
-              <a:t>Normal Distributions</a:t>
+              <a:t>True Relationship Between Meta-Score and Runtime</a:t>
             </a:r>
             <a:endParaRPr/>
           </a:p>
@@ -14182,7 +14039,7 @@
       </p:sp>
       <p:sp>
         <p:nvSpPr>
-          <p:cNvPr id="293" name="Google Shape;293;p44"/>
+          <p:cNvPr id="294" name="Google Shape;294;p44"/>
           <p:cNvSpPr txBox="1"/>
           <p:nvPr>
             <p:ph idx="1" type="body"/>
@@ -14221,167 +14078,7 @@
       </p:sp>
       <p:pic>
         <p:nvPicPr>
-          <p:cNvPr id="294" name="Google Shape;294;p44"/>
-          <p:cNvPicPr preferRelativeResize="0"/>
-          <p:nvPr/>
-        </p:nvPicPr>
-        <p:blipFill>
-          <a:blip r:embed="rId3">
-            <a:alphaModFix/>
-          </a:blip>
-          <a:stretch>
-            <a:fillRect/>
-          </a:stretch>
-        </p:blipFill>
-        <p:spPr>
-          <a:xfrm>
-            <a:off x="173575" y="1572550"/>
-            <a:ext cx="4220775" cy="2988674"/>
-          </a:xfrm>
-          <a:prstGeom prst="rect">
-            <a:avLst/>
-          </a:prstGeom>
-          <a:noFill/>
-          <a:ln>
-            <a:noFill/>
-          </a:ln>
-        </p:spPr>
-      </p:pic>
-      <p:pic>
-        <p:nvPicPr>
           <p:cNvPr id="295" name="Google Shape;295;p44"/>
-          <p:cNvPicPr preferRelativeResize="0"/>
-          <p:nvPr/>
-        </p:nvPicPr>
-        <p:blipFill>
-          <a:blip r:embed="rId4">
-            <a:alphaModFix/>
-          </a:blip>
-          <a:stretch>
-            <a:fillRect/>
-          </a:stretch>
-        </p:blipFill>
-        <p:spPr>
-          <a:xfrm>
-            <a:off x="4494850" y="1523103"/>
-            <a:ext cx="4593549" cy="3087571"/>
-          </a:xfrm>
-          <a:prstGeom prst="rect">
-            <a:avLst/>
-          </a:prstGeom>
-          <a:noFill/>
-          <a:ln>
-            <a:noFill/>
-          </a:ln>
-        </p:spPr>
-      </p:pic>
-    </p:spTree>
-  </p:cSld>
-  <p:clrMapOvr>
-    <a:masterClrMapping/>
-  </p:clrMapOvr>
-</p:sld>
-</file>
-
-<file path=ppt/slides/slide33.xml><?xml version="1.0" encoding="utf-8"?>
-<p:sld xmlns:a="http://schemas.openxmlformats.org/drawingml/2006/main" xmlns:r="http://schemas.openxmlformats.org/officeDocument/2006/relationships" xmlns:mc="http://schemas.openxmlformats.org/markup-compatibility/2006" xmlns:mv="urn:schemas-microsoft-com:mac:vml" xmlns:p="http://schemas.openxmlformats.org/presentationml/2006/main" xmlns:c="http://schemas.openxmlformats.org/drawingml/2006/chart" xmlns:dgm="http://schemas.openxmlformats.org/drawingml/2006/diagram" xmlns:o="urn:schemas-microsoft-com:office:office" xmlns:v="urn:schemas-microsoft-com:vml" xmlns:pvml="urn:schemas-microsoft-com:office:powerpoint" xmlns:com="http://schemas.openxmlformats.org/drawingml/2006/compatibility" xmlns:p14="http://schemas.microsoft.com/office/powerpoint/2010/main" xmlns:p15="http://schemas.microsoft.com/office/powerpoint/2012/main" xmlns:ahyp="http://schemas.microsoft.com/office/drawing/2018/hyperlinkcolor">
-  <p:cSld>
-    <p:spTree>
-      <p:nvGrpSpPr>
-        <p:cNvPr id="299" name="Shape 299"/>
-        <p:cNvGrpSpPr/>
-        <p:nvPr/>
-      </p:nvGrpSpPr>
-      <p:grpSpPr>
-        <a:xfrm>
-          <a:off x="0" y="0"/>
-          <a:ext cx="0" cy="0"/>
-          <a:chOff x="0" y="0"/>
-          <a:chExt cx="0" cy="0"/>
-        </a:xfrm>
-      </p:grpSpPr>
-      <p:sp>
-        <p:nvSpPr>
-          <p:cNvPr id="300" name="Google Shape;300;p45"/>
-          <p:cNvSpPr txBox="1"/>
-          <p:nvPr>
-            <p:ph type="title"/>
-          </p:nvPr>
-        </p:nvSpPr>
-        <p:spPr>
-          <a:xfrm>
-            <a:off x="729450" y="551250"/>
-            <a:ext cx="7688700" cy="535200"/>
-          </a:xfrm>
-          <a:prstGeom prst="rect">
-            <a:avLst/>
-          </a:prstGeom>
-        </p:spPr>
-        <p:txBody>
-          <a:bodyPr anchorCtr="0" anchor="t" bIns="91425" lIns="91425" spcFirstLastPara="1" rIns="91425" wrap="square" tIns="91425">
-            <a:normAutofit fontScale="90000"/>
-          </a:bodyPr>
-          <a:lstStyle/>
-          <a:p>
-            <a:pPr indent="0" lvl="0" marL="0" rtl="0" algn="l">
-              <a:spcBef>
-                <a:spcPts val="0"/>
-              </a:spcBef>
-              <a:spcAft>
-                <a:spcPts val="0"/>
-              </a:spcAft>
-              <a:buNone/>
-            </a:pPr>
-            <a:r>
-              <a:rPr lang="en"/>
-              <a:t>True Relationship Between Meta-Score and Runtime</a:t>
-            </a:r>
-            <a:endParaRPr/>
-          </a:p>
-        </p:txBody>
-      </p:sp>
-      <p:sp>
-        <p:nvSpPr>
-          <p:cNvPr id="301" name="Google Shape;301;p45"/>
-          <p:cNvSpPr txBox="1"/>
-          <p:nvPr>
-            <p:ph idx="1" type="body"/>
-          </p:nvPr>
-        </p:nvSpPr>
-        <p:spPr>
-          <a:xfrm>
-            <a:off x="729450" y="2078875"/>
-            <a:ext cx="7688700" cy="2261100"/>
-          </a:xfrm>
-          <a:prstGeom prst="rect">
-            <a:avLst/>
-          </a:prstGeom>
-        </p:spPr>
-        <p:txBody>
-          <a:bodyPr anchorCtr="0" anchor="t" bIns="91425" lIns="91425" spcFirstLastPara="1" rIns="91425" wrap="square" tIns="91425">
-            <a:normAutofit/>
-          </a:bodyPr>
-          <a:lstStyle/>
-          <a:p>
-            <a:pPr indent="0" lvl="0" marL="0" rtl="0" algn="l">
-              <a:spcBef>
-                <a:spcPts val="0"/>
-              </a:spcBef>
-              <a:spcAft>
-                <a:spcPts val="1200"/>
-              </a:spcAft>
-              <a:buNone/>
-            </a:pPr>
-            <a:r>
-              <a:t/>
-            </a:r>
-            <a:endParaRPr/>
-          </a:p>
-        </p:txBody>
-      </p:sp>
-      <p:pic>
-        <p:nvPicPr>
-          <p:cNvPr id="302" name="Google Shape;302;p45"/>
           <p:cNvPicPr preferRelativeResize="0"/>
           <p:nvPr/>
         </p:nvPicPr>
